--- a/Документация/Презентация - Dream Movie.pptx
+++ b/Документация/Презентация - Dream Movie.pptx
@@ -213,7 +213,7 @@
           <a:p>
             <a:fld id="{36F80BDE-27BF-40A1-8217-1144ACC93666}" type="datetimeFigureOut">
               <a:rPr lang="bg-BG" smtClean="0"/>
-              <a:t>2.6.2021 г.</a:t>
+              <a:t>3.6.2021 г.</a:t>
             </a:fld>
             <a:endParaRPr lang="bg-BG"/>
           </a:p>
@@ -277,35 +277,35 @@
           <a:p>
             <a:pPr lvl="0"/>
             <a:r>
-              <a:rPr lang="en-US" smtClean="0"/>
+              <a:rPr lang="en-US"/>
               <a:t>Click to edit Master text styles</a:t>
             </a:r>
           </a:p>
           <a:p>
             <a:pPr lvl="1"/>
             <a:r>
-              <a:rPr lang="en-US" smtClean="0"/>
+              <a:rPr lang="en-US"/>
               <a:t>Second level</a:t>
             </a:r>
           </a:p>
           <a:p>
             <a:pPr lvl="2"/>
             <a:r>
-              <a:rPr lang="en-US" smtClean="0"/>
+              <a:rPr lang="en-US"/>
               <a:t>Third level</a:t>
             </a:r>
           </a:p>
           <a:p>
             <a:pPr lvl="3"/>
             <a:r>
-              <a:rPr lang="en-US" smtClean="0"/>
+              <a:rPr lang="en-US"/>
               <a:t>Fourth level</a:t>
             </a:r>
           </a:p>
           <a:p>
             <a:pPr lvl="4"/>
             <a:r>
-              <a:rPr lang="en-US" smtClean="0"/>
+              <a:rPr lang="en-US"/>
               <a:t>Fifth level</a:t>
             </a:r>
             <a:endParaRPr lang="bg-BG"/>
@@ -906,7 +906,7 @@
           </a:lstStyle>
           <a:p>
             <a:r>
-              <a:rPr lang="en-US" smtClean="0"/>
+              <a:rPr lang="en-US"/>
               <a:t>Click to edit Master title style</a:t>
             </a:r>
             <a:endParaRPr lang="en-US" dirty="0"/>
@@ -979,7 +979,7 @@
           </a:lstStyle>
           <a:p>
             <a:r>
-              <a:rPr lang="en-US" smtClean="0"/>
+              <a:rPr lang="en-US"/>
               <a:t>Click to edit Master subtitle style</a:t>
             </a:r>
             <a:endParaRPr lang="en-US" dirty="0"/>
@@ -1018,7 +1018,7 @@
           <a:p>
             <a:fld id="{99D2A58A-F6A3-44B4-8553-CA3EAF252FB7}" type="datetime1">
               <a:rPr lang="en-US" smtClean="0"/>
-              <a:t>6/2/2021</a:t>
+              <a:t>6/3/2021</a:t>
             </a:fld>
             <a:endParaRPr lang="en-US"/>
           </a:p>
@@ -1049,10 +1049,9 @@
           </a:lstStyle>
           <a:p>
             <a:r>
-              <a:rPr lang="en-US" smtClean="0"/>
+              <a:rPr lang="en-US"/>
               <a:t>Add a footer</a:t>
             </a:r>
-            <a:endParaRPr lang="en-US"/>
           </a:p>
         </p:txBody>
       </p:sp>
@@ -1159,13 +1158,6 @@
       </p:transition>
     </mc:Fallback>
   </mc:AlternateContent>
-  <p:timing>
-    <p:tnLst>
-      <p:par>
-        <p:cTn id="1" dur="indefinite" restart="never" nodeType="tmRoot"/>
-      </p:par>
-    </p:tnLst>
-  </p:timing>
 </p:sldLayout>
 </file>
 
@@ -1211,7 +1203,7 @@
           </a:lstStyle>
           <a:p>
             <a:r>
-              <a:rPr lang="en-US" smtClean="0"/>
+              <a:rPr lang="en-US"/>
               <a:t>Click to edit Master title style</a:t>
             </a:r>
             <a:endParaRPr lang="en-US" dirty="0"/>
@@ -1284,7 +1276,7 @@
           </a:lstStyle>
           <a:p>
             <a:r>
-              <a:rPr lang="en-US" smtClean="0"/>
+              <a:rPr lang="en-US"/>
               <a:t>Click icon to add picture</a:t>
             </a:r>
             <a:endParaRPr lang="en-US" dirty="0"/>
@@ -1350,7 +1342,7 @@
           <a:p>
             <a:pPr lvl="0"/>
             <a:r>
-              <a:rPr lang="en-US" smtClean="0"/>
+              <a:rPr lang="en-US"/>
               <a:t>Click to edit Master text styles</a:t>
             </a:r>
           </a:p>
@@ -1372,7 +1364,7 @@
           <a:lstStyle/>
           <a:p>
             <a:r>
-              <a:rPr lang="ru-RU" smtClean="0"/>
+              <a:rPr lang="ru-RU"/>
               <a:t>MM.DD.20XX</a:t>
             </a:r>
             <a:endParaRPr lang="ru-RU" dirty="0"/>
@@ -1395,7 +1387,7 @@
           <a:lstStyle/>
           <a:p>
             <a:r>
-              <a:rPr lang="en-US" smtClean="0"/>
+              <a:rPr lang="en-US"/>
               <a:t>ADD A FOOTER</a:t>
             </a:r>
             <a:endParaRPr lang="ru-RU" dirty="0"/>
@@ -1436,13 +1428,6 @@
   <p:clrMapOvr>
     <a:masterClrMapping/>
   </p:clrMapOvr>
-  <p:timing>
-    <p:tnLst>
-      <p:par>
-        <p:cTn id="1" dur="indefinite" restart="never" nodeType="tmRoot"/>
-      </p:par>
-    </p:tnLst>
-  </p:timing>
 </p:sldLayout>
 </file>
 
@@ -1490,7 +1475,7 @@
           </a:lstStyle>
           <a:p>
             <a:r>
-              <a:rPr lang="en-US" smtClean="0"/>
+              <a:rPr lang="en-US"/>
               <a:t>Click to edit Master title style</a:t>
             </a:r>
             <a:endParaRPr lang="en-US" dirty="0"/>
@@ -1558,7 +1543,7 @@
           <a:p>
             <a:pPr lvl="0"/>
             <a:r>
-              <a:rPr lang="en-US" smtClean="0"/>
+              <a:rPr lang="en-US"/>
               <a:t>Click to edit Master text styles</a:t>
             </a:r>
           </a:p>
@@ -1580,7 +1565,7 @@
           <a:lstStyle/>
           <a:p>
             <a:r>
-              <a:rPr lang="ru-RU" smtClean="0"/>
+              <a:rPr lang="ru-RU"/>
               <a:t>MM.DD.20XX</a:t>
             </a:r>
             <a:endParaRPr lang="ru-RU" dirty="0"/>
@@ -1603,7 +1588,7 @@
           <a:lstStyle/>
           <a:p>
             <a:r>
-              <a:rPr lang="en-US" smtClean="0"/>
+              <a:rPr lang="en-US"/>
               <a:t>ADD A FOOTER</a:t>
             </a:r>
             <a:endParaRPr lang="ru-RU" dirty="0"/>
@@ -1644,13 +1629,6 @@
   <p:clrMapOvr>
     <a:masterClrMapping/>
   </p:clrMapOvr>
-  <p:timing>
-    <p:tnLst>
-      <p:par>
-        <p:cTn id="1" dur="indefinite" restart="never" nodeType="tmRoot"/>
-      </p:par>
-    </p:tnLst>
-  </p:timing>
 </p:sldLayout>
 </file>
 
@@ -1698,7 +1676,7 @@
           </a:lstStyle>
           <a:p>
             <a:r>
-              <a:rPr lang="en-US" smtClean="0"/>
+              <a:rPr lang="en-US"/>
               <a:t>Click to edit Master title style</a:t>
             </a:r>
             <a:endParaRPr lang="en-US" dirty="0"/>
@@ -1773,7 +1751,7 @@
           <a:p>
             <a:pPr lvl="0"/>
             <a:r>
-              <a:rPr lang="en-US" smtClean="0"/>
+              <a:rPr lang="en-US"/>
               <a:t>Click to edit Master text styles</a:t>
             </a:r>
           </a:p>
@@ -1840,7 +1818,7 @@
           <a:p>
             <a:pPr lvl="0"/>
             <a:r>
-              <a:rPr lang="en-US" smtClean="0"/>
+              <a:rPr lang="en-US"/>
               <a:t>Click to edit Master text styles</a:t>
             </a:r>
           </a:p>
@@ -1862,7 +1840,7 @@
           <a:lstStyle/>
           <a:p>
             <a:r>
-              <a:rPr lang="ru-RU" smtClean="0"/>
+              <a:rPr lang="ru-RU"/>
               <a:t>MM.DD.20XX</a:t>
             </a:r>
             <a:endParaRPr lang="ru-RU" dirty="0"/>
@@ -1885,7 +1863,7 @@
           <a:lstStyle/>
           <a:p>
             <a:r>
-              <a:rPr lang="en-US" smtClean="0"/>
+              <a:rPr lang="en-US"/>
               <a:t>ADD A FOOTER</a:t>
             </a:r>
             <a:endParaRPr lang="ru-RU" dirty="0"/>
@@ -2158,13 +2136,6 @@
   <p:clrMapOvr>
     <a:masterClrMapping/>
   </p:clrMapOvr>
-  <p:timing>
-    <p:tnLst>
-      <p:par>
-        <p:cTn id="1" dur="indefinite" restart="never" nodeType="tmRoot"/>
-      </p:par>
-    </p:tnLst>
-  </p:timing>
 </p:sldLayout>
 </file>
 
@@ -2212,7 +2183,7 @@
           </a:lstStyle>
           <a:p>
             <a:r>
-              <a:rPr lang="en-US" smtClean="0"/>
+              <a:rPr lang="en-US"/>
               <a:t>Click to edit Master title style</a:t>
             </a:r>
             <a:endParaRPr lang="en-US" dirty="0"/>
@@ -2280,7 +2251,7 @@
           <a:p>
             <a:pPr lvl="0"/>
             <a:r>
-              <a:rPr lang="en-US" smtClean="0"/>
+              <a:rPr lang="en-US"/>
               <a:t>Click to edit Master text styles</a:t>
             </a:r>
           </a:p>
@@ -2302,7 +2273,7 @@
           <a:lstStyle/>
           <a:p>
             <a:r>
-              <a:rPr lang="ru-RU" smtClean="0"/>
+              <a:rPr lang="ru-RU"/>
               <a:t>MM.DD.20XX</a:t>
             </a:r>
             <a:endParaRPr lang="ru-RU" dirty="0"/>
@@ -2325,7 +2296,7 @@
           <a:lstStyle/>
           <a:p>
             <a:r>
-              <a:rPr lang="en-US" smtClean="0"/>
+              <a:rPr lang="en-US"/>
               <a:t>ADD A FOOTER</a:t>
             </a:r>
             <a:endParaRPr lang="ru-RU" dirty="0"/>
@@ -2366,13 +2337,6 @@
   <p:clrMapOvr>
     <a:masterClrMapping/>
   </p:clrMapOvr>
-  <p:timing>
-    <p:tnLst>
-      <p:par>
-        <p:cTn id="1" dur="indefinite" restart="never" nodeType="tmRoot"/>
-      </p:par>
-    </p:tnLst>
-  </p:timing>
 </p:sldLayout>
 </file>
 
@@ -2418,7 +2382,7 @@
           </a:lstStyle>
           <a:p>
             <a:r>
-              <a:rPr lang="en-US" smtClean="0"/>
+              <a:rPr lang="en-US"/>
               <a:t>Click to edit Master title style</a:t>
             </a:r>
             <a:endParaRPr lang="en-US" dirty="0"/>
@@ -2493,7 +2457,7 @@
           <a:p>
             <a:pPr lvl="0"/>
             <a:r>
-              <a:rPr lang="en-US" smtClean="0"/>
+              <a:rPr lang="en-US"/>
               <a:t>Click to edit Master text styles</a:t>
             </a:r>
           </a:p>
@@ -2560,7 +2524,7 @@
           <a:p>
             <a:pPr lvl="0"/>
             <a:r>
-              <a:rPr lang="en-US" smtClean="0"/>
+              <a:rPr lang="en-US"/>
               <a:t>Click to edit Master text styles</a:t>
             </a:r>
           </a:p>
@@ -2634,7 +2598,7 @@
           <a:p>
             <a:pPr lvl="0"/>
             <a:r>
-              <a:rPr lang="en-US" smtClean="0"/>
+              <a:rPr lang="en-US"/>
               <a:t>Click to edit Master text styles</a:t>
             </a:r>
           </a:p>
@@ -2701,7 +2665,7 @@
           <a:p>
             <a:pPr lvl="0"/>
             <a:r>
-              <a:rPr lang="en-US" smtClean="0"/>
+              <a:rPr lang="en-US"/>
               <a:t>Click to edit Master text styles</a:t>
             </a:r>
           </a:p>
@@ -2775,7 +2739,7 @@
           <a:p>
             <a:pPr lvl="0"/>
             <a:r>
-              <a:rPr lang="en-US" smtClean="0"/>
+              <a:rPr lang="en-US"/>
               <a:t>Click to edit Master text styles</a:t>
             </a:r>
           </a:p>
@@ -2842,7 +2806,7 @@
           <a:p>
             <a:pPr lvl="0"/>
             <a:r>
-              <a:rPr lang="en-US" smtClean="0"/>
+              <a:rPr lang="en-US"/>
               <a:t>Click to edit Master text styles</a:t>
             </a:r>
           </a:p>
@@ -2864,7 +2828,7 @@
           <a:lstStyle/>
           <a:p>
             <a:r>
-              <a:rPr lang="ru-RU" smtClean="0"/>
+              <a:rPr lang="ru-RU"/>
               <a:t>MM.DD.20XX</a:t>
             </a:r>
             <a:endParaRPr lang="ru-RU" dirty="0"/>
@@ -2887,7 +2851,7 @@
           <a:lstStyle/>
           <a:p>
             <a:r>
-              <a:rPr lang="en-US" smtClean="0"/>
+              <a:rPr lang="en-US"/>
               <a:t>ADD A FOOTER</a:t>
             </a:r>
             <a:endParaRPr lang="ru-RU" dirty="0"/>
@@ -2973,7 +2937,7 @@
           </a:lstStyle>
           <a:p>
             <a:r>
-              <a:rPr lang="en-US" smtClean="0"/>
+              <a:rPr lang="en-US"/>
               <a:t>Click to edit Master title style</a:t>
             </a:r>
             <a:endParaRPr lang="en-US" dirty="0"/>
@@ -3048,7 +3012,7 @@
           <a:p>
             <a:pPr lvl="0"/>
             <a:r>
-              <a:rPr lang="en-US" smtClean="0"/>
+              <a:rPr lang="en-US"/>
               <a:t>Click to edit Master text styles</a:t>
             </a:r>
           </a:p>
@@ -3127,7 +3091,7 @@
           </a:lstStyle>
           <a:p>
             <a:r>
-              <a:rPr lang="en-US" smtClean="0"/>
+              <a:rPr lang="en-US"/>
               <a:t>Click icon to add picture</a:t>
             </a:r>
             <a:endParaRPr lang="en-US" dirty="0"/>
@@ -3195,7 +3159,7 @@
           <a:p>
             <a:pPr lvl="0"/>
             <a:r>
-              <a:rPr lang="en-US" smtClean="0"/>
+              <a:rPr lang="en-US"/>
               <a:t>Click to edit Master text styles</a:t>
             </a:r>
           </a:p>
@@ -3269,7 +3233,7 @@
           <a:p>
             <a:pPr lvl="0"/>
             <a:r>
-              <a:rPr lang="en-US" smtClean="0"/>
+              <a:rPr lang="en-US"/>
               <a:t>Click to edit Master text styles</a:t>
             </a:r>
           </a:p>
@@ -3348,7 +3312,7 @@
           </a:lstStyle>
           <a:p>
             <a:r>
-              <a:rPr lang="en-US" smtClean="0"/>
+              <a:rPr lang="en-US"/>
               <a:t>Click icon to add picture</a:t>
             </a:r>
             <a:endParaRPr lang="en-US" dirty="0"/>
@@ -3416,7 +3380,7 @@
           <a:p>
             <a:pPr lvl="0"/>
             <a:r>
-              <a:rPr lang="en-US" smtClean="0"/>
+              <a:rPr lang="en-US"/>
               <a:t>Click to edit Master text styles</a:t>
             </a:r>
           </a:p>
@@ -3490,7 +3454,7 @@
           <a:p>
             <a:pPr lvl="0"/>
             <a:r>
-              <a:rPr lang="en-US" smtClean="0"/>
+              <a:rPr lang="en-US"/>
               <a:t>Click to edit Master text styles</a:t>
             </a:r>
           </a:p>
@@ -3569,7 +3533,7 @@
           </a:lstStyle>
           <a:p>
             <a:r>
-              <a:rPr lang="en-US" smtClean="0"/>
+              <a:rPr lang="en-US"/>
               <a:t>Click icon to add picture</a:t>
             </a:r>
             <a:endParaRPr lang="en-US" dirty="0"/>
@@ -3637,7 +3601,7 @@
           <a:p>
             <a:pPr lvl="0"/>
             <a:r>
-              <a:rPr lang="en-US" smtClean="0"/>
+              <a:rPr lang="en-US"/>
               <a:t>Click to edit Master text styles</a:t>
             </a:r>
           </a:p>
@@ -3659,7 +3623,7 @@
           <a:lstStyle/>
           <a:p>
             <a:r>
-              <a:rPr lang="ru-RU" smtClean="0"/>
+              <a:rPr lang="ru-RU"/>
               <a:t>MM.DD.20XX</a:t>
             </a:r>
             <a:endParaRPr lang="ru-RU" dirty="0"/>
@@ -3682,7 +3646,7 @@
           <a:lstStyle/>
           <a:p>
             <a:r>
-              <a:rPr lang="en-US" smtClean="0"/>
+              <a:rPr lang="en-US"/>
               <a:t>ADD A FOOTER</a:t>
             </a:r>
             <a:endParaRPr lang="ru-RU" dirty="0"/>
@@ -3763,7 +3727,7 @@
           </a:lstStyle>
           <a:p>
             <a:r>
-              <a:rPr lang="en-US" smtClean="0"/>
+              <a:rPr lang="en-US"/>
               <a:t>Click to edit Master title style</a:t>
             </a:r>
             <a:endParaRPr lang="en-US" dirty="0"/>
@@ -3792,35 +3756,35 @@
           <a:p>
             <a:pPr lvl="0"/>
             <a:r>
-              <a:rPr lang="en-US" smtClean="0"/>
+              <a:rPr lang="en-US"/>
               <a:t>Click to edit Master text styles</a:t>
             </a:r>
           </a:p>
           <a:p>
             <a:pPr lvl="1"/>
             <a:r>
-              <a:rPr lang="en-US" smtClean="0"/>
+              <a:rPr lang="en-US"/>
               <a:t>Second level</a:t>
             </a:r>
           </a:p>
           <a:p>
             <a:pPr lvl="2"/>
             <a:r>
-              <a:rPr lang="en-US" smtClean="0"/>
+              <a:rPr lang="en-US"/>
               <a:t>Third level</a:t>
             </a:r>
           </a:p>
           <a:p>
             <a:pPr lvl="3"/>
             <a:r>
-              <a:rPr lang="en-US" smtClean="0"/>
+              <a:rPr lang="en-US"/>
               <a:t>Fourth level</a:t>
             </a:r>
           </a:p>
           <a:p>
             <a:pPr lvl="4"/>
             <a:r>
-              <a:rPr lang="en-US" smtClean="0"/>
+              <a:rPr lang="en-US"/>
               <a:t>Fifth level</a:t>
             </a:r>
             <a:endParaRPr lang="en-US" dirty="0"/>
@@ -3843,7 +3807,7 @@
           <a:lstStyle/>
           <a:p>
             <a:r>
-              <a:rPr lang="ru-RU" smtClean="0"/>
+              <a:rPr lang="ru-RU"/>
               <a:t>MM.DD.20XX</a:t>
             </a:r>
             <a:endParaRPr lang="ru-RU" dirty="0"/>
@@ -3866,7 +3830,7 @@
           <a:lstStyle/>
           <a:p>
             <a:r>
-              <a:rPr lang="en-US" smtClean="0"/>
+              <a:rPr lang="en-US"/>
               <a:t>ADD A FOOTER</a:t>
             </a:r>
             <a:endParaRPr lang="ru-RU" dirty="0"/>
@@ -3919,13 +3883,6 @@
       </p:transition>
     </mc:Fallback>
   </mc:AlternateContent>
-  <p:timing>
-    <p:tnLst>
-      <p:par>
-        <p:cTn id="1" dur="indefinite" restart="never" nodeType="tmRoot"/>
-      </p:par>
-    </p:tnLst>
-  </p:timing>
 </p:sldLayout>
 </file>
 
@@ -3971,7 +3928,7 @@
           </a:lstStyle>
           <a:p>
             <a:r>
-              <a:rPr lang="en-US" smtClean="0"/>
+              <a:rPr lang="en-US"/>
               <a:t>Click to edit Master title style</a:t>
             </a:r>
             <a:endParaRPr lang="en-US" dirty="0"/>
@@ -4000,35 +3957,35 @@
           <a:p>
             <a:pPr lvl="0"/>
             <a:r>
-              <a:rPr lang="en-US" smtClean="0"/>
+              <a:rPr lang="en-US"/>
               <a:t>Click to edit Master text styles</a:t>
             </a:r>
           </a:p>
           <a:p>
             <a:pPr lvl="1"/>
             <a:r>
-              <a:rPr lang="en-US" smtClean="0"/>
+              <a:rPr lang="en-US"/>
               <a:t>Second level</a:t>
             </a:r>
           </a:p>
           <a:p>
             <a:pPr lvl="2"/>
             <a:r>
-              <a:rPr lang="en-US" smtClean="0"/>
+              <a:rPr lang="en-US"/>
               <a:t>Third level</a:t>
             </a:r>
           </a:p>
           <a:p>
             <a:pPr lvl="3"/>
             <a:r>
-              <a:rPr lang="en-US" smtClean="0"/>
+              <a:rPr lang="en-US"/>
               <a:t>Fourth level</a:t>
             </a:r>
           </a:p>
           <a:p>
             <a:pPr lvl="4"/>
             <a:r>
-              <a:rPr lang="en-US" smtClean="0"/>
+              <a:rPr lang="en-US"/>
               <a:t>Fifth level</a:t>
             </a:r>
             <a:endParaRPr lang="en-US" dirty="0"/>
@@ -4051,7 +4008,7 @@
           <a:lstStyle/>
           <a:p>
             <a:r>
-              <a:rPr lang="ru-RU" smtClean="0"/>
+              <a:rPr lang="ru-RU"/>
               <a:t>MM.DD.20XX</a:t>
             </a:r>
             <a:endParaRPr lang="ru-RU" dirty="0"/>
@@ -4074,7 +4031,7 @@
           <a:lstStyle/>
           <a:p>
             <a:r>
-              <a:rPr lang="en-US" smtClean="0"/>
+              <a:rPr lang="en-US"/>
               <a:t>ADD A FOOTER</a:t>
             </a:r>
             <a:endParaRPr lang="ru-RU" dirty="0"/>
@@ -4127,13 +4084,6 @@
       </p:transition>
     </mc:Fallback>
   </mc:AlternateContent>
-  <p:timing>
-    <p:tnLst>
-      <p:par>
-        <p:cTn id="1" dur="indefinite" restart="never" nodeType="tmRoot"/>
-      </p:par>
-    </p:tnLst>
-  </p:timing>
 </p:sldLayout>
 </file>
 
@@ -4170,7 +4120,7 @@
           <a:lstStyle/>
           <a:p>
             <a:r>
-              <a:rPr lang="en-US" smtClean="0"/>
+              <a:rPr lang="en-US"/>
               <a:t>Click to edit Master title style</a:t>
             </a:r>
             <a:endParaRPr lang="en-US" dirty="0"/>
@@ -4199,35 +4149,35 @@
           <a:p>
             <a:pPr lvl="0"/>
             <a:r>
-              <a:rPr lang="en-US" smtClean="0"/>
+              <a:rPr lang="en-US"/>
               <a:t>Click to edit Master text styles</a:t>
             </a:r>
           </a:p>
           <a:p>
             <a:pPr lvl="1"/>
             <a:r>
-              <a:rPr lang="en-US" smtClean="0"/>
+              <a:rPr lang="en-US"/>
               <a:t>Second level</a:t>
             </a:r>
           </a:p>
           <a:p>
             <a:pPr lvl="2"/>
             <a:r>
-              <a:rPr lang="en-US" smtClean="0"/>
+              <a:rPr lang="en-US"/>
               <a:t>Third level</a:t>
             </a:r>
           </a:p>
           <a:p>
             <a:pPr lvl="3"/>
             <a:r>
-              <a:rPr lang="en-US" smtClean="0"/>
+              <a:rPr lang="en-US"/>
               <a:t>Fourth level</a:t>
             </a:r>
           </a:p>
           <a:p>
             <a:pPr lvl="4"/>
             <a:r>
-              <a:rPr lang="en-US" smtClean="0"/>
+              <a:rPr lang="en-US"/>
               <a:t>Fifth level</a:t>
             </a:r>
             <a:endParaRPr lang="en-US" dirty="0"/>
@@ -4250,7 +4200,7 @@
           <a:lstStyle/>
           <a:p>
             <a:r>
-              <a:rPr lang="en-US" noProof="0" smtClean="0"/>
+              <a:rPr lang="en-US" noProof="0"/>
               <a:t>MM.DD.20XX</a:t>
             </a:r>
             <a:endParaRPr lang="en-US" noProof="0" dirty="0"/>
@@ -4273,7 +4223,7 @@
           <a:lstStyle/>
           <a:p>
             <a:r>
-              <a:rPr lang="en-US" noProof="0" smtClean="0"/>
+              <a:rPr lang="en-US" noProof="0"/>
               <a:t>ADD A FOOTER</a:t>
             </a:r>
             <a:endParaRPr lang="en-US" noProof="0" dirty="0"/>
@@ -4325,13 +4275,6 @@
       </p:transition>
     </mc:Fallback>
   </mc:AlternateContent>
-  <p:timing>
-    <p:tnLst>
-      <p:par>
-        <p:cTn id="1" dur="indefinite" restart="never" nodeType="tmRoot"/>
-      </p:par>
-    </p:tnLst>
-  </p:timing>
 </p:sldLayout>
 </file>
 
@@ -4379,7 +4322,7 @@
           </a:lstStyle>
           <a:p>
             <a:r>
-              <a:rPr lang="en-US" smtClean="0"/>
+              <a:rPr lang="en-US"/>
               <a:t>Click to edit Master title style</a:t>
             </a:r>
             <a:endParaRPr lang="en-US" dirty="0"/>
@@ -4501,7 +4444,7 @@
           <a:p>
             <a:pPr lvl="0"/>
             <a:r>
-              <a:rPr lang="en-US" smtClean="0"/>
+              <a:rPr lang="en-US"/>
               <a:t>Click to edit Master text styles</a:t>
             </a:r>
           </a:p>
@@ -4523,7 +4466,7 @@
           <a:lstStyle/>
           <a:p>
             <a:r>
-              <a:rPr lang="ru-RU" smtClean="0"/>
+              <a:rPr lang="ru-RU"/>
               <a:t>MM.DD.20XX</a:t>
             </a:r>
             <a:endParaRPr lang="ru-RU" dirty="0"/>
@@ -4546,7 +4489,7 @@
           <a:lstStyle/>
           <a:p>
             <a:r>
-              <a:rPr lang="en-US" smtClean="0"/>
+              <a:rPr lang="en-US"/>
               <a:t>ADD A FOOTER</a:t>
             </a:r>
             <a:endParaRPr lang="ru-RU" dirty="0"/>
@@ -4599,13 +4542,6 @@
       </p:transition>
     </mc:Fallback>
   </mc:AlternateContent>
-  <p:timing>
-    <p:tnLst>
-      <p:par>
-        <p:cTn id="1" dur="indefinite" restart="never" nodeType="tmRoot"/>
-      </p:par>
-    </p:tnLst>
-  </p:timing>
   <p:extLst>
     <p:ext uri="{DCECCB84-F9BA-43D5-87BE-67443E8EF086}">
       <p15:sldGuideLst xmlns:p15="http://schemas.microsoft.com/office/powerpoint/2012/main"/>
@@ -4652,7 +4588,7 @@
           <a:lstStyle/>
           <a:p>
             <a:r>
-              <a:rPr lang="en-US" smtClean="0"/>
+              <a:rPr lang="en-US"/>
               <a:t>Click to edit Master title style</a:t>
             </a:r>
             <a:endParaRPr lang="en-US" dirty="0"/>
@@ -4681,35 +4617,35 @@
           <a:p>
             <a:pPr lvl="0"/>
             <a:r>
-              <a:rPr lang="en-US" smtClean="0"/>
+              <a:rPr lang="en-US"/>
               <a:t>Click to edit Master text styles</a:t>
             </a:r>
           </a:p>
           <a:p>
             <a:pPr lvl="1"/>
             <a:r>
-              <a:rPr lang="en-US" smtClean="0"/>
+              <a:rPr lang="en-US"/>
               <a:t>Second level</a:t>
             </a:r>
           </a:p>
           <a:p>
             <a:pPr lvl="2"/>
             <a:r>
-              <a:rPr lang="en-US" smtClean="0"/>
+              <a:rPr lang="en-US"/>
               <a:t>Third level</a:t>
             </a:r>
           </a:p>
           <a:p>
             <a:pPr lvl="3"/>
             <a:r>
-              <a:rPr lang="en-US" smtClean="0"/>
+              <a:rPr lang="en-US"/>
               <a:t>Fourth level</a:t>
             </a:r>
           </a:p>
           <a:p>
             <a:pPr lvl="4"/>
             <a:r>
-              <a:rPr lang="en-US" smtClean="0"/>
+              <a:rPr lang="en-US"/>
               <a:t>Fifth level</a:t>
             </a:r>
             <a:endParaRPr lang="en-US" dirty="0"/>
@@ -4738,35 +4674,35 @@
           <a:p>
             <a:pPr lvl="0"/>
             <a:r>
-              <a:rPr lang="en-US" smtClean="0"/>
+              <a:rPr lang="en-US"/>
               <a:t>Click to edit Master text styles</a:t>
             </a:r>
           </a:p>
           <a:p>
             <a:pPr lvl="1"/>
             <a:r>
-              <a:rPr lang="en-US" smtClean="0"/>
+              <a:rPr lang="en-US"/>
               <a:t>Second level</a:t>
             </a:r>
           </a:p>
           <a:p>
             <a:pPr lvl="2"/>
             <a:r>
-              <a:rPr lang="en-US" smtClean="0"/>
+              <a:rPr lang="en-US"/>
               <a:t>Third level</a:t>
             </a:r>
           </a:p>
           <a:p>
             <a:pPr lvl="3"/>
             <a:r>
-              <a:rPr lang="en-US" smtClean="0"/>
+              <a:rPr lang="en-US"/>
               <a:t>Fourth level</a:t>
             </a:r>
           </a:p>
           <a:p>
             <a:pPr lvl="4"/>
             <a:r>
-              <a:rPr lang="en-US" smtClean="0"/>
+              <a:rPr lang="en-US"/>
               <a:t>Fifth level</a:t>
             </a:r>
             <a:endParaRPr lang="en-US" dirty="0"/>
@@ -4789,7 +4725,7 @@
           <a:lstStyle/>
           <a:p>
             <a:r>
-              <a:rPr lang="en-US" noProof="0" smtClean="0"/>
+              <a:rPr lang="en-US" noProof="0"/>
               <a:t>MM.DD.20XX</a:t>
             </a:r>
             <a:endParaRPr lang="en-US" noProof="0" dirty="0"/>
@@ -4812,7 +4748,7 @@
           <a:lstStyle/>
           <a:p>
             <a:r>
-              <a:rPr lang="en-US" noProof="0" smtClean="0"/>
+              <a:rPr lang="en-US" noProof="0"/>
               <a:t>ADD A FOOTER</a:t>
             </a:r>
             <a:endParaRPr lang="en-US" noProof="0" dirty="0"/>
@@ -4864,13 +4800,6 @@
       </p:transition>
     </mc:Fallback>
   </mc:AlternateContent>
-  <p:timing>
-    <p:tnLst>
-      <p:par>
-        <p:cTn id="1" dur="indefinite" restart="never" nodeType="tmRoot"/>
-      </p:par>
-    </p:tnLst>
-  </p:timing>
   <p:extLst>
     <p:ext uri="{DCECCB84-F9BA-43D5-87BE-67443E8EF086}">
       <p15:sldGuideLst xmlns:p15="http://schemas.microsoft.com/office/powerpoint/2012/main"/>
@@ -4917,7 +4846,7 @@
           <a:lstStyle/>
           <a:p>
             <a:r>
-              <a:rPr lang="en-US" smtClean="0"/>
+              <a:rPr lang="en-US"/>
               <a:t>Click to edit Master title style</a:t>
             </a:r>
             <a:endParaRPr lang="en-US" dirty="0"/>
@@ -4992,7 +4921,7 @@
           <a:p>
             <a:pPr lvl="0"/>
             <a:r>
-              <a:rPr lang="en-US" smtClean="0"/>
+              <a:rPr lang="en-US"/>
               <a:t>Click to edit Master text styles</a:t>
             </a:r>
           </a:p>
@@ -5020,35 +4949,35 @@
           <a:p>
             <a:pPr lvl="0"/>
             <a:r>
-              <a:rPr lang="en-US" smtClean="0"/>
+              <a:rPr lang="en-US"/>
               <a:t>Click to edit Master text styles</a:t>
             </a:r>
           </a:p>
           <a:p>
             <a:pPr lvl="1"/>
             <a:r>
-              <a:rPr lang="en-US" smtClean="0"/>
+              <a:rPr lang="en-US"/>
               <a:t>Second level</a:t>
             </a:r>
           </a:p>
           <a:p>
             <a:pPr lvl="2"/>
             <a:r>
-              <a:rPr lang="en-US" smtClean="0"/>
+              <a:rPr lang="en-US"/>
               <a:t>Third level</a:t>
             </a:r>
           </a:p>
           <a:p>
             <a:pPr lvl="3"/>
             <a:r>
-              <a:rPr lang="en-US" smtClean="0"/>
+              <a:rPr lang="en-US"/>
               <a:t>Fourth level</a:t>
             </a:r>
           </a:p>
           <a:p>
             <a:pPr lvl="4"/>
             <a:r>
-              <a:rPr lang="en-US" smtClean="0"/>
+              <a:rPr lang="en-US"/>
               <a:t>Fifth level</a:t>
             </a:r>
             <a:endParaRPr lang="en-US" dirty="0"/>
@@ -5123,7 +5052,7 @@
           <a:p>
             <a:pPr lvl="0"/>
             <a:r>
-              <a:rPr lang="en-US" smtClean="0"/>
+              <a:rPr lang="en-US"/>
               <a:t>Click to edit Master text styles</a:t>
             </a:r>
           </a:p>
@@ -5151,35 +5080,35 @@
           <a:p>
             <a:pPr lvl="0"/>
             <a:r>
-              <a:rPr lang="en-US" smtClean="0"/>
+              <a:rPr lang="en-US"/>
               <a:t>Click to edit Master text styles</a:t>
             </a:r>
           </a:p>
           <a:p>
             <a:pPr lvl="1"/>
             <a:r>
-              <a:rPr lang="en-US" smtClean="0"/>
+              <a:rPr lang="en-US"/>
               <a:t>Second level</a:t>
             </a:r>
           </a:p>
           <a:p>
             <a:pPr lvl="2"/>
             <a:r>
-              <a:rPr lang="en-US" smtClean="0"/>
+              <a:rPr lang="en-US"/>
               <a:t>Third level</a:t>
             </a:r>
           </a:p>
           <a:p>
             <a:pPr lvl="3"/>
             <a:r>
-              <a:rPr lang="en-US" smtClean="0"/>
+              <a:rPr lang="en-US"/>
               <a:t>Fourth level</a:t>
             </a:r>
           </a:p>
           <a:p>
             <a:pPr lvl="4"/>
             <a:r>
-              <a:rPr lang="en-US" smtClean="0"/>
+              <a:rPr lang="en-US"/>
               <a:t>Fifth level</a:t>
             </a:r>
             <a:endParaRPr lang="en-US" dirty="0"/>
@@ -5202,7 +5131,7 @@
           <a:lstStyle/>
           <a:p>
             <a:r>
-              <a:rPr lang="ru-RU" smtClean="0"/>
+              <a:rPr lang="ru-RU"/>
               <a:t>MM.DD.20XX</a:t>
             </a:r>
             <a:endParaRPr lang="ru-RU" dirty="0"/>
@@ -5225,7 +5154,7 @@
           <a:lstStyle/>
           <a:p>
             <a:r>
-              <a:rPr lang="en-US" smtClean="0"/>
+              <a:rPr lang="en-US"/>
               <a:t>ADD A FOOTER</a:t>
             </a:r>
             <a:endParaRPr lang="ru-RU" dirty="0"/>
@@ -5277,13 +5206,6 @@
       </p:transition>
     </mc:Fallback>
   </mc:AlternateContent>
-  <p:timing>
-    <p:tnLst>
-      <p:par>
-        <p:cTn id="1" dur="indefinite" restart="never" nodeType="tmRoot"/>
-      </p:par>
-    </p:tnLst>
-  </p:timing>
 </p:sldLayout>
 </file>
 
@@ -5320,7 +5242,7 @@
           <a:lstStyle/>
           <a:p>
             <a:r>
-              <a:rPr lang="en-US" smtClean="0"/>
+              <a:rPr lang="en-US"/>
               <a:t>Click to edit Master title style</a:t>
             </a:r>
             <a:endParaRPr lang="en-US" dirty="0"/>
@@ -5343,7 +5265,7 @@
           <a:lstStyle/>
           <a:p>
             <a:r>
-              <a:rPr lang="ru-RU" smtClean="0"/>
+              <a:rPr lang="ru-RU"/>
               <a:t>MM.DD.20XX</a:t>
             </a:r>
             <a:endParaRPr lang="ru-RU" dirty="0"/>
@@ -5366,7 +5288,7 @@
           <a:lstStyle/>
           <a:p>
             <a:r>
-              <a:rPr lang="en-US" smtClean="0"/>
+              <a:rPr lang="en-US"/>
               <a:t>ADD A FOOTER</a:t>
             </a:r>
             <a:endParaRPr lang="ru-RU" dirty="0"/>
@@ -5418,13 +5340,6 @@
       </p:transition>
     </mc:Fallback>
   </mc:AlternateContent>
-  <p:timing>
-    <p:tnLst>
-      <p:par>
-        <p:cTn id="1" dur="indefinite" restart="never" nodeType="tmRoot"/>
-      </p:par>
-    </p:tnLst>
-  </p:timing>
 </p:sldLayout>
 </file>
 
@@ -5461,7 +5376,7 @@
           <a:lstStyle/>
           <a:p>
             <a:r>
-              <a:rPr lang="ru-RU" smtClean="0"/>
+              <a:rPr lang="ru-RU"/>
               <a:t>MM.DD.20XX</a:t>
             </a:r>
             <a:endParaRPr lang="ru-RU" dirty="0"/>
@@ -5484,7 +5399,7 @@
           <a:lstStyle/>
           <a:p>
             <a:r>
-              <a:rPr lang="en-US" smtClean="0"/>
+              <a:rPr lang="en-US"/>
               <a:t>ADD A FOOTER</a:t>
             </a:r>
             <a:endParaRPr lang="ru-RU" dirty="0"/>
@@ -5536,13 +5451,6 @@
       </p:transition>
     </mc:Fallback>
   </mc:AlternateContent>
-  <p:timing>
-    <p:tnLst>
-      <p:par>
-        <p:cTn id="1" dur="indefinite" restart="never" nodeType="tmRoot"/>
-      </p:par>
-    </p:tnLst>
-  </p:timing>
 </p:sldLayout>
 </file>
 
@@ -5590,7 +5498,7 @@
           </a:lstStyle>
           <a:p>
             <a:r>
-              <a:rPr lang="en-US" smtClean="0"/>
+              <a:rPr lang="en-US"/>
               <a:t>Click to edit Master title style</a:t>
             </a:r>
             <a:endParaRPr lang="en-US" dirty="0"/>
@@ -5619,35 +5527,35 @@
           <a:p>
             <a:pPr lvl="0"/>
             <a:r>
-              <a:rPr lang="en-US" smtClean="0"/>
+              <a:rPr lang="en-US"/>
               <a:t>Click to edit Master text styles</a:t>
             </a:r>
           </a:p>
           <a:p>
             <a:pPr lvl="1"/>
             <a:r>
-              <a:rPr lang="en-US" smtClean="0"/>
+              <a:rPr lang="en-US"/>
               <a:t>Second level</a:t>
             </a:r>
           </a:p>
           <a:p>
             <a:pPr lvl="2"/>
             <a:r>
-              <a:rPr lang="en-US" smtClean="0"/>
+              <a:rPr lang="en-US"/>
               <a:t>Third level</a:t>
             </a:r>
           </a:p>
           <a:p>
             <a:pPr lvl="3"/>
             <a:r>
-              <a:rPr lang="en-US" smtClean="0"/>
+              <a:rPr lang="en-US"/>
               <a:t>Fourth level</a:t>
             </a:r>
           </a:p>
           <a:p>
             <a:pPr lvl="4"/>
             <a:r>
-              <a:rPr lang="en-US" smtClean="0"/>
+              <a:rPr lang="en-US"/>
               <a:t>Fifth level</a:t>
             </a:r>
             <a:endParaRPr lang="en-US" dirty="0"/>
@@ -5715,7 +5623,7 @@
           <a:p>
             <a:pPr lvl="0"/>
             <a:r>
-              <a:rPr lang="en-US" smtClean="0"/>
+              <a:rPr lang="en-US"/>
               <a:t>Click to edit Master text styles</a:t>
             </a:r>
           </a:p>
@@ -5737,7 +5645,7 @@
           <a:lstStyle/>
           <a:p>
             <a:r>
-              <a:rPr lang="ru-RU" smtClean="0"/>
+              <a:rPr lang="ru-RU"/>
               <a:t>MM.DD.20XX</a:t>
             </a:r>
             <a:endParaRPr lang="ru-RU" dirty="0"/>
@@ -5760,7 +5668,7 @@
           <a:lstStyle/>
           <a:p>
             <a:r>
-              <a:rPr lang="en-US" smtClean="0"/>
+              <a:rPr lang="en-US"/>
               <a:t>ADD A FOOTER</a:t>
             </a:r>
             <a:endParaRPr lang="ru-RU" dirty="0"/>
@@ -5812,13 +5720,6 @@
       </p:transition>
     </mc:Fallback>
   </mc:AlternateContent>
-  <p:timing>
-    <p:tnLst>
-      <p:par>
-        <p:cTn id="1" dur="indefinite" restart="never" nodeType="tmRoot"/>
-      </p:par>
-    </p:tnLst>
-  </p:timing>
 </p:sldLayout>
 </file>
 
@@ -5866,7 +5767,7 @@
           </a:lstStyle>
           <a:p>
             <a:r>
-              <a:rPr lang="en-US" smtClean="0"/>
+              <a:rPr lang="en-US"/>
               <a:t>Click to edit Master title style</a:t>
             </a:r>
             <a:endParaRPr lang="en-US" dirty="0"/>
@@ -5939,7 +5840,7 @@
           </a:lstStyle>
           <a:p>
             <a:r>
-              <a:rPr lang="en-US" smtClean="0"/>
+              <a:rPr lang="en-US"/>
               <a:t>Click icon to add picture</a:t>
             </a:r>
             <a:endParaRPr lang="en-US" dirty="0"/>
@@ -6007,7 +5908,7 @@
           <a:p>
             <a:pPr lvl="0"/>
             <a:r>
-              <a:rPr lang="en-US" smtClean="0"/>
+              <a:rPr lang="en-US"/>
               <a:t>Click to edit Master text styles</a:t>
             </a:r>
           </a:p>
@@ -6031,7 +5932,7 @@
             <a:fld id="{B61BEF0D-F0BB-DE4B-95CE-6DB70DBA9567}" type="datetimeFigureOut">
               <a:rPr lang="en-US" smtClean="0"/>
               <a:pPr/>
-              <a:t>6/2/2021</a:t>
+              <a:t>6/3/2021</a:t>
             </a:fld>
             <a:endParaRPr lang="en-US" dirty="0"/>
           </a:p>
@@ -6102,13 +6003,6 @@
       </p:transition>
     </mc:Fallback>
   </mc:AlternateContent>
-  <p:timing>
-    <p:tnLst>
-      <p:par>
-        <p:cTn id="1" dur="indefinite" restart="never" nodeType="tmRoot"/>
-      </p:par>
-    </p:tnLst>
-  </p:timing>
 </p:sldLayout>
 </file>
 
@@ -6350,7 +6244,7 @@
           <a:lstStyle/>
           <a:p>
             <a:r>
-              <a:rPr lang="en-US" smtClean="0"/>
+              <a:rPr lang="en-US"/>
               <a:t>Click to edit Master title style</a:t>
             </a:r>
             <a:endParaRPr lang="en-US" dirty="0"/>
@@ -6384,35 +6278,35 @@
           <a:p>
             <a:pPr lvl="0"/>
             <a:r>
-              <a:rPr lang="en-US" smtClean="0"/>
+              <a:rPr lang="en-US"/>
               <a:t>Click to edit Master text styles</a:t>
             </a:r>
           </a:p>
           <a:p>
             <a:pPr lvl="1"/>
             <a:r>
-              <a:rPr lang="en-US" smtClean="0"/>
+              <a:rPr lang="en-US"/>
               <a:t>Second level</a:t>
             </a:r>
           </a:p>
           <a:p>
             <a:pPr lvl="2"/>
             <a:r>
-              <a:rPr lang="en-US" smtClean="0"/>
+              <a:rPr lang="en-US"/>
               <a:t>Third level</a:t>
             </a:r>
           </a:p>
           <a:p>
             <a:pPr lvl="3"/>
             <a:r>
-              <a:rPr lang="en-US" smtClean="0"/>
+              <a:rPr lang="en-US"/>
               <a:t>Fourth level</a:t>
             </a:r>
           </a:p>
           <a:p>
             <a:pPr lvl="4"/>
             <a:r>
-              <a:rPr lang="en-US" smtClean="0"/>
+              <a:rPr lang="en-US"/>
               <a:t>Fifth level</a:t>
             </a:r>
             <a:endParaRPr lang="en-US" dirty="0"/>
@@ -6453,7 +6347,7 @@
           </a:lstStyle>
           <a:p>
             <a:r>
-              <a:rPr lang="ru-RU" smtClean="0"/>
+              <a:rPr lang="ru-RU"/>
               <a:t>MM.DD.20XX</a:t>
             </a:r>
             <a:endParaRPr lang="ru-RU" dirty="0"/>
@@ -6494,7 +6388,7 @@
           </a:lstStyle>
           <a:p>
             <a:r>
-              <a:rPr lang="en-US" smtClean="0"/>
+              <a:rPr lang="en-US"/>
               <a:t>ADD A FOOTER</a:t>
             </a:r>
             <a:endParaRPr lang="ru-RU" dirty="0"/>
@@ -6582,13 +6476,6 @@
       </p:transition>
     </mc:Fallback>
   </mc:AlternateContent>
-  <p:timing>
-    <p:tnLst>
-      <p:par>
-        <p:cTn id="1" dur="indefinite" restart="never" nodeType="tmRoot"/>
-      </p:par>
-    </p:tnLst>
-  </p:timing>
   <p:txStyles>
     <p:titleStyle>
       <a:lvl1pPr algn="l" defTabSz="914400" rtl="0" eaLnBrk="1" latinLnBrk="0" hangingPunct="1">
@@ -6959,14 +6846,10 @@
           <a:p>
             <a:pPr algn="ctr"/>
             <a:r>
-              <a:rPr lang="en-US" sz="10700" i="1" dirty="0" smtClean="0">
+              <a:rPr lang="en-US" sz="10700" i="1" dirty="0">
                 <a:latin typeface="Gloucester MT Extra Condensed" panose="02030808020601010101" pitchFamily="18" charset="0"/>
               </a:rPr>
               <a:t>Dream Movie</a:t>
-            </a:r>
-            <a:r>
-              <a:rPr lang="bg-BG" dirty="0"/>
-              <a:t/>
             </a:r>
             <a:br>
               <a:rPr lang="bg-BG" dirty="0"/>
@@ -7055,13 +6938,6 @@
       </p:transition>
     </mc:Fallback>
   </mc:AlternateContent>
-  <p:timing>
-    <p:tnLst>
-      <p:par>
-        <p:cTn id="1" dur="indefinite" restart="never" nodeType="tmRoot"/>
-      </p:par>
-    </p:tnLst>
-  </p:timing>
 </p:sld>
 </file>
 
@@ -7103,10 +6979,9 @@
           <a:lstStyle/>
           <a:p>
             <a:r>
-              <a:rPr lang="bg-BG" dirty="0" smtClean="0"/>
+              <a:rPr lang="bg-BG" dirty="0"/>
               <a:t>Критичен път</a:t>
             </a:r>
-            <a:endParaRPr lang="bg-BG" dirty="0"/>
           </a:p>
         </p:txBody>
       </p:sp>
@@ -9645,18 +9520,17 @@
                     </a:lstStyle>
                     <a:p>
                       <a:r>
-                        <a:rPr lang="en-US" dirty="0" smtClean="0"/>
+                        <a:rPr lang="en-US" dirty="0"/>
                         <a:t>(</a:t>
                       </a:r>
                       <a:r>
-                        <a:rPr lang="bg-BG" dirty="0" smtClean="0"/>
+                        <a:rPr lang="bg-BG" dirty="0"/>
                         <a:t>3</a:t>
                       </a:r>
                       <a:r>
-                        <a:rPr lang="en-US" dirty="0" smtClean="0"/>
+                        <a:rPr lang="en-US" dirty="0"/>
                         <a:t>)</a:t>
                       </a:r>
-                      <a:endParaRPr lang="en-US" dirty="0"/>
                     </a:p>
                   </p:txBody>
                 </p:sp>
@@ -11218,18 +11092,17 @@
                     </a:lstStyle>
                     <a:p>
                       <a:r>
-                        <a:rPr lang="en-US" dirty="0" smtClean="0"/>
+                        <a:rPr lang="en-US" dirty="0"/>
                         <a:t>(</a:t>
                       </a:r>
                       <a:r>
-                        <a:rPr lang="bg-BG" dirty="0" smtClean="0"/>
+                        <a:rPr lang="bg-BG" dirty="0"/>
                         <a:t>14</a:t>
                       </a:r>
                       <a:r>
-                        <a:rPr lang="en-US" dirty="0" smtClean="0"/>
+                        <a:rPr lang="en-US" dirty="0"/>
                         <a:t>)</a:t>
                       </a:r>
-                      <a:endParaRPr lang="en-US" dirty="0"/>
                     </a:p>
                   </p:txBody>
                 </p:sp>
@@ -12095,18 +11968,17 @@
                   </a:lstStyle>
                   <a:p>
                     <a:r>
-                      <a:rPr lang="en-US" dirty="0" smtClean="0"/>
+                      <a:rPr lang="en-US" dirty="0"/>
                       <a:t>(</a:t>
                     </a:r>
                     <a:r>
-                      <a:rPr lang="bg-BG" dirty="0" smtClean="0"/>
+                      <a:rPr lang="bg-BG" dirty="0"/>
                       <a:t>2</a:t>
                     </a:r>
                     <a:r>
-                      <a:rPr lang="en-US" dirty="0" smtClean="0"/>
+                      <a:rPr lang="en-US" dirty="0"/>
                       <a:t>)</a:t>
                     </a:r>
-                    <a:endParaRPr lang="en-US" dirty="0"/>
                   </a:p>
                 </p:txBody>
               </p:sp>
@@ -12837,18 +12709,17 @@
             </a:lstStyle>
             <a:p>
               <a:r>
-                <a:rPr lang="en-US" dirty="0" smtClean="0"/>
+                <a:rPr lang="en-US" dirty="0"/>
                 <a:t>(</a:t>
               </a:r>
               <a:r>
-                <a:rPr lang="bg-BG" dirty="0" smtClean="0"/>
+                <a:rPr lang="bg-BG" dirty="0"/>
                 <a:t>3</a:t>
               </a:r>
               <a:r>
-                <a:rPr lang="en-US" dirty="0" smtClean="0"/>
+                <a:rPr lang="en-US" dirty="0"/>
                 <a:t>)</a:t>
               </a:r>
-              <a:endParaRPr lang="en-US" dirty="0"/>
             </a:p>
           </p:txBody>
         </p:sp>
@@ -12878,8 +12749,20 @@
                 <a:tableStyleId>{5C22544A-7EE6-4342-B048-85BDC9FD1C3A}</a:tableStyleId>
               </a:tblPr>
               <a:tblGrid>
-                <a:gridCol w="1089430"/>
-                <a:gridCol w="5637167"/>
+                <a:gridCol w="1089430">
+                  <a:extLst>
+                    <a:ext uri="{9D8B030D-6E8A-4147-A177-3AD203B41FA5}">
+                      <a16:colId xmlns:a16="http://schemas.microsoft.com/office/drawing/2014/main" val="20000"/>
+                    </a:ext>
+                  </a:extLst>
+                </a:gridCol>
+                <a:gridCol w="5637167">
+                  <a:extLst>
+                    <a:ext uri="{9D8B030D-6E8A-4147-A177-3AD203B41FA5}">
+                      <a16:colId xmlns:a16="http://schemas.microsoft.com/office/drawing/2014/main" val="20001"/>
+                    </a:ext>
+                  </a:extLst>
+                </a:gridCol>
               </a:tblGrid>
               <a:tr h="223579">
                 <a:tc>
@@ -12952,6 +12835,11 @@
                   </a:txBody>
                   <a:tcPr marL="68580" marR="68580" marT="0" marB="0" anchor="ctr"/>
                 </a:tc>
+                <a:extLst>
+                  <a:ext uri="{0D108BD9-81ED-4DB2-BD59-A6C34878D82A}">
+                    <a16:rowId xmlns:a16="http://schemas.microsoft.com/office/drawing/2014/main" val="10000"/>
+                  </a:ext>
+                </a:extLst>
               </a:tr>
               <a:tr h="233105">
                 <a:tc>
@@ -13012,6 +12900,11 @@
                   </a:txBody>
                   <a:tcPr marL="68580" marR="68580" marT="0" marB="0" anchor="ctr"/>
                 </a:tc>
+                <a:extLst>
+                  <a:ext uri="{0D108BD9-81ED-4DB2-BD59-A6C34878D82A}">
+                    <a16:rowId xmlns:a16="http://schemas.microsoft.com/office/drawing/2014/main" val="10001"/>
+                  </a:ext>
+                </a:extLst>
               </a:tr>
               <a:tr h="233105">
                 <a:tc>
@@ -13072,6 +12965,11 @@
                   </a:txBody>
                   <a:tcPr marL="68580" marR="68580" marT="0" marB="0" anchor="ctr"/>
                 </a:tc>
+                <a:extLst>
+                  <a:ext uri="{0D108BD9-81ED-4DB2-BD59-A6C34878D82A}">
+                    <a16:rowId xmlns:a16="http://schemas.microsoft.com/office/drawing/2014/main" val="10002"/>
+                  </a:ext>
+                </a:extLst>
               </a:tr>
               <a:tr h="238929">
                 <a:tc>
@@ -13138,6 +13036,11 @@
                   </a:txBody>
                   <a:tcPr marL="68580" marR="68580" marT="0" marB="0" anchor="ctr"/>
                 </a:tc>
+                <a:extLst>
+                  <a:ext uri="{0D108BD9-81ED-4DB2-BD59-A6C34878D82A}">
+                    <a16:rowId xmlns:a16="http://schemas.microsoft.com/office/drawing/2014/main" val="10003"/>
+                  </a:ext>
+                </a:extLst>
               </a:tr>
               <a:tr h="233105">
                 <a:tc>
@@ -13198,6 +13101,11 @@
                   </a:txBody>
                   <a:tcPr marL="68580" marR="68580" marT="0" marB="0" anchor="ctr"/>
                 </a:tc>
+                <a:extLst>
+                  <a:ext uri="{0D108BD9-81ED-4DB2-BD59-A6C34878D82A}">
+                    <a16:rowId xmlns:a16="http://schemas.microsoft.com/office/drawing/2014/main" val="10004"/>
+                  </a:ext>
+                </a:extLst>
               </a:tr>
               <a:tr h="233105">
                 <a:tc>
@@ -13270,6 +13178,11 @@
                   </a:txBody>
                   <a:tcPr marL="68580" marR="68580" marT="0" marB="0" anchor="ctr"/>
                 </a:tc>
+                <a:extLst>
+                  <a:ext uri="{0D108BD9-81ED-4DB2-BD59-A6C34878D82A}">
+                    <a16:rowId xmlns:a16="http://schemas.microsoft.com/office/drawing/2014/main" val="10005"/>
+                  </a:ext>
+                </a:extLst>
               </a:tr>
               <a:tr h="233105">
                 <a:tc>
@@ -13330,6 +13243,11 @@
                   </a:txBody>
                   <a:tcPr marL="68580" marR="68580" marT="0" marB="0" anchor="ctr"/>
                 </a:tc>
+                <a:extLst>
+                  <a:ext uri="{0D108BD9-81ED-4DB2-BD59-A6C34878D82A}">
+                    <a16:rowId xmlns:a16="http://schemas.microsoft.com/office/drawing/2014/main" val="10006"/>
+                  </a:ext>
+                </a:extLst>
               </a:tr>
               <a:tr h="233105">
                 <a:tc>
@@ -13402,6 +13320,11 @@
                   </a:txBody>
                   <a:tcPr marL="68580" marR="68580" marT="0" marB="0" anchor="ctr"/>
                 </a:tc>
+                <a:extLst>
+                  <a:ext uri="{0D108BD9-81ED-4DB2-BD59-A6C34878D82A}">
+                    <a16:rowId xmlns:a16="http://schemas.microsoft.com/office/drawing/2014/main" val="10007"/>
+                  </a:ext>
+                </a:extLst>
               </a:tr>
               <a:tr h="233105">
                 <a:tc>
@@ -13462,6 +13385,11 @@
                   </a:txBody>
                   <a:tcPr marL="68580" marR="68580" marT="0" marB="0" anchor="ctr"/>
                 </a:tc>
+                <a:extLst>
+                  <a:ext uri="{0D108BD9-81ED-4DB2-BD59-A6C34878D82A}">
+                    <a16:rowId xmlns:a16="http://schemas.microsoft.com/office/drawing/2014/main" val="10008"/>
+                  </a:ext>
+                </a:extLst>
               </a:tr>
               <a:tr h="233105">
                 <a:tc>
@@ -13522,6 +13450,11 @@
                   </a:txBody>
                   <a:tcPr marL="68580" marR="68580" marT="0" marB="0" anchor="ctr"/>
                 </a:tc>
+                <a:extLst>
+                  <a:ext uri="{0D108BD9-81ED-4DB2-BD59-A6C34878D82A}">
+                    <a16:rowId xmlns:a16="http://schemas.microsoft.com/office/drawing/2014/main" val="10009"/>
+                  </a:ext>
+                </a:extLst>
               </a:tr>
               <a:tr h="233105">
                 <a:tc>
@@ -13588,6 +13521,11 @@
                   </a:txBody>
                   <a:tcPr marL="68580" marR="68580" marT="0" marB="0" anchor="ctr"/>
                 </a:tc>
+                <a:extLst>
+                  <a:ext uri="{0D108BD9-81ED-4DB2-BD59-A6C34878D82A}">
+                    <a16:rowId xmlns:a16="http://schemas.microsoft.com/office/drawing/2014/main" val="10010"/>
+                  </a:ext>
+                </a:extLst>
               </a:tr>
               <a:tr h="233105">
                 <a:tc>
@@ -13648,6 +13586,11 @@
                   </a:txBody>
                   <a:tcPr marL="68580" marR="68580" marT="0" marB="0" anchor="ctr"/>
                 </a:tc>
+                <a:extLst>
+                  <a:ext uri="{0D108BD9-81ED-4DB2-BD59-A6C34878D82A}">
+                    <a16:rowId xmlns:a16="http://schemas.microsoft.com/office/drawing/2014/main" val="10011"/>
+                  </a:ext>
+                </a:extLst>
               </a:tr>
               <a:tr h="233105">
                 <a:tc>
@@ -13726,6 +13669,11 @@
                   </a:txBody>
                   <a:tcPr marL="68580" marR="68580" marT="0" marB="0" anchor="ctr"/>
                 </a:tc>
+                <a:extLst>
+                  <a:ext uri="{0D108BD9-81ED-4DB2-BD59-A6C34878D82A}">
+                    <a16:rowId xmlns:a16="http://schemas.microsoft.com/office/drawing/2014/main" val="10012"/>
+                  </a:ext>
+                </a:extLst>
               </a:tr>
             </a:tbl>
           </a:graphicData>
@@ -13741,13 +13689,13 @@
   <p:clrMapOvr>
     <a:masterClrMapping/>
   </p:clrMapOvr>
-  <mc:AlternateContent xmlns:mc="http://schemas.openxmlformats.org/markup-compatibility/2006">
-    <mc:Choice xmlns:p14="http://schemas.microsoft.com/office/powerpoint/2010/main" Requires="p14">
+  <mc:AlternateContent xmlns:mc="http://schemas.openxmlformats.org/markup-compatibility/2006" xmlns:p14="http://schemas.microsoft.com/office/powerpoint/2010/main">
+    <mc:Choice Requires="p14">
       <p:transition spd="slow" p14:dur="1600">
         <p14:prism isInverted="1"/>
       </p:transition>
     </mc:Choice>
-    <mc:Fallback>
+    <mc:Fallback xmlns="">
       <p:transition spd="slow">
         <p:fade/>
       </p:transition>
@@ -14027,13 +13975,8 @@
           <a:p>
             <a:r>
               <a:rPr lang="bg-BG" sz="2600" dirty="0"/>
-              <a:t>Анализ на </a:t>
+              <a:t>Анализ на изисквания</a:t>
             </a:r>
-            <a:r>
-              <a:rPr lang="bg-BG" sz="2600" dirty="0" smtClean="0"/>
-              <a:t>изисквания</a:t>
-            </a:r>
-            <a:endParaRPr lang="bg-BG" sz="2600" dirty="0"/>
           </a:p>
         </p:txBody>
       </p:sp>
@@ -14060,10 +14003,9 @@
           <a:lstStyle/>
           <a:p>
             <a:r>
-              <a:rPr lang="bg-BG" sz="1800" dirty="0" smtClean="0"/>
+              <a:rPr lang="bg-BG" sz="1800" dirty="0"/>
               <a:t>Функциоанлни</a:t>
             </a:r>
-            <a:endParaRPr lang="bg-BG" sz="1800" dirty="0"/>
           </a:p>
         </p:txBody>
       </p:sp>
@@ -14358,10 +14300,9 @@
           </a:lstStyle>
           <a:p>
             <a:r>
-              <a:rPr lang="bg-BG" sz="1800" dirty="0" smtClean="0"/>
+              <a:rPr lang="bg-BG" sz="1800" dirty="0"/>
               <a:t>нефункционални</a:t>
             </a:r>
-            <a:endParaRPr lang="bg-BG" sz="1800" dirty="0"/>
           </a:p>
         </p:txBody>
       </p:sp>
@@ -14375,13 +14316,13 @@
   <p:clrMapOvr>
     <a:masterClrMapping/>
   </p:clrMapOvr>
-  <mc:AlternateContent xmlns:mc="http://schemas.openxmlformats.org/markup-compatibility/2006">
-    <mc:Choice xmlns:p14="http://schemas.microsoft.com/office/powerpoint/2010/main" Requires="p14">
+  <mc:AlternateContent xmlns:mc="http://schemas.openxmlformats.org/markup-compatibility/2006" xmlns:p14="http://schemas.microsoft.com/office/powerpoint/2010/main">
+    <mc:Choice Requires="p14">
       <p:transition spd="slow" p14:dur="1600">
         <p14:prism isInverted="1"/>
       </p:transition>
     </mc:Choice>
-    <mc:Fallback>
+    <mc:Fallback xmlns="">
       <p:transition spd="slow">
         <p:fade/>
       </p:transition>
@@ -14741,10 +14682,9 @@
           <a:p>
             <a:pPr algn="l"/>
             <a:r>
-              <a:rPr lang="bg-BG" sz="2600" dirty="0" smtClean="0"/>
+              <a:rPr lang="bg-BG" sz="2600" dirty="0"/>
               <a:t>Планиране</a:t>
             </a:r>
-            <a:endParaRPr lang="bg-BG" sz="2600" dirty="0"/>
           </a:p>
         </p:txBody>
       </p:sp>
@@ -14778,21 +14718,8 @@
                   <a:schemeClr val="tx1"/>
                 </a:solidFill>
               </a:rPr>
-              <a:t>БИЗНЕС </a:t>
+              <a:t>БИЗНЕС ЛОГИКА</a:t>
             </a:r>
-            <a:r>
-              <a:rPr lang="bg-BG" sz="1800" dirty="0" smtClean="0">
-                <a:solidFill>
-                  <a:schemeClr val="tx1"/>
-                </a:solidFill>
-              </a:rPr>
-              <a:t>ЛОГИКА</a:t>
-            </a:r>
-            <a:endParaRPr lang="bg-BG" sz="1800" dirty="0">
-              <a:solidFill>
-                <a:schemeClr val="tx1"/>
-              </a:solidFill>
-            </a:endParaRPr>
           </a:p>
         </p:txBody>
       </p:sp>
@@ -14821,7 +14748,7 @@
               <a:buChar char="•"/>
             </a:pPr>
             <a:r>
-              <a:rPr lang="bg-BG" sz="1800" dirty="0" smtClean="0">
+              <a:rPr lang="bg-BG" sz="1800" dirty="0">
                 <a:solidFill>
                   <a:schemeClr val="tx1"/>
                 </a:solidFill>
@@ -14829,7 +14756,7 @@
               <a:t>БАЗ</a:t>
             </a:r>
             <a:r>
-              <a:rPr lang="en-US" sz="1800" dirty="0" smtClean="0">
+              <a:rPr lang="en-US" sz="1800" dirty="0">
                 <a:solidFill>
                   <a:schemeClr val="tx1"/>
                 </a:solidFill>
@@ -14837,18 +14764,13 @@
               <a:t>a</a:t>
             </a:r>
             <a:r>
-              <a:rPr lang="bg-BG" sz="1800" dirty="0" smtClean="0">
+              <a:rPr lang="bg-BG" sz="1800" dirty="0">
                 <a:solidFill>
                   <a:schemeClr val="tx1"/>
                 </a:solidFill>
               </a:rPr>
               <a:t> ДАННИ</a:t>
             </a:r>
-            <a:endParaRPr lang="bg-BG" sz="1800" dirty="0">
-              <a:solidFill>
-                <a:schemeClr val="tx1"/>
-              </a:solidFill>
-            </a:endParaRPr>
           </a:p>
         </p:txBody>
       </p:sp>
@@ -14905,7 +14827,7 @@
               <a:buChar char="•"/>
             </a:pPr>
             <a:r>
-              <a:rPr lang="bg-BG" sz="1800" dirty="0" smtClean="0">
+              <a:rPr lang="bg-BG" sz="1800" dirty="0">
                 <a:solidFill>
                   <a:schemeClr val="tx1"/>
                 </a:solidFill>
@@ -14979,10 +14901,9 @@
               <a:buChar char="•"/>
             </a:pPr>
             <a:r>
-              <a:rPr lang="bg-BG" sz="1800" dirty="0" smtClean="0"/>
+              <a:rPr lang="bg-BG" sz="1800" dirty="0"/>
               <a:t>ПОТРЕБИТЕЛСКИ ИНТЕРФЕЙС</a:t>
             </a:r>
-            <a:endParaRPr lang="bg-BG" sz="1800" dirty="0"/>
           </a:p>
         </p:txBody>
       </p:sp>
@@ -15053,13 +14974,13 @@
   <p:clrMapOvr>
     <a:masterClrMapping/>
   </p:clrMapOvr>
-  <mc:AlternateContent xmlns:mc="http://schemas.openxmlformats.org/markup-compatibility/2006">
-    <mc:Choice xmlns:p14="http://schemas.microsoft.com/office/powerpoint/2010/main" Requires="p14">
+  <mc:AlternateContent xmlns:mc="http://schemas.openxmlformats.org/markup-compatibility/2006" xmlns:p14="http://schemas.microsoft.com/office/powerpoint/2010/main">
+    <mc:Choice Requires="p14">
       <p:transition spd="slow" p14:dur="1600">
         <p14:prism isInverted="1"/>
       </p:transition>
     </mc:Choice>
-    <mc:Fallback>
+    <mc:Fallback xmlns="">
       <p:transition spd="slow">
         <p:fade/>
       </p:transition>
@@ -15633,10 +15554,9 @@
           <a:lstStyle/>
           <a:p>
             <a:r>
-              <a:rPr lang="bg-BG" sz="2600" dirty="0" smtClean="0"/>
+              <a:rPr lang="bg-BG" sz="2600" dirty="0"/>
               <a:t>Разработка</a:t>
             </a:r>
-            <a:endParaRPr lang="bg-BG" sz="2600" dirty="0"/>
           </a:p>
         </p:txBody>
       </p:sp>
@@ -15661,34 +15581,33 @@
           <a:lstStyle/>
           <a:p>
             <a:r>
-              <a:rPr lang="bg-BG" dirty="0" smtClean="0"/>
+              <a:rPr lang="bg-BG" dirty="0"/>
               <a:t>СЪЗДАВАНЕ НА БАЗА ДАННИ</a:t>
             </a:r>
           </a:p>
           <a:p>
             <a:r>
-              <a:rPr lang="bg-BG" dirty="0" smtClean="0"/>
+              <a:rPr lang="bg-BG" dirty="0"/>
               <a:t>ЗАПИСВАНЕ НА ИНФОРМАЦИЯ В БАЗАТА ДАННИ</a:t>
             </a:r>
           </a:p>
           <a:p>
             <a:r>
-              <a:rPr lang="bg-BG" dirty="0" smtClean="0"/>
+              <a:rPr lang="bg-BG" dirty="0"/>
               <a:t>ПОТРЕБИТЕЛСКИ ИНТЕРФЕЙС</a:t>
             </a:r>
           </a:p>
           <a:p>
             <a:r>
-              <a:rPr lang="bg-BG" dirty="0" smtClean="0"/>
+              <a:rPr lang="bg-BG" dirty="0"/>
               <a:t>БИЗНЕС ЛОГИКА</a:t>
             </a:r>
           </a:p>
           <a:p>
             <a:r>
-              <a:rPr lang="bg-BG" dirty="0" smtClean="0"/>
+              <a:rPr lang="bg-BG" dirty="0"/>
               <a:t>ЦЯЛОСТНО ТЕСТВАНЕ</a:t>
             </a:r>
-            <a:endParaRPr lang="bg-BG" dirty="0"/>
           </a:p>
         </p:txBody>
       </p:sp>
@@ -15702,13 +15621,13 @@
   <p:clrMapOvr>
     <a:masterClrMapping/>
   </p:clrMapOvr>
-  <mc:AlternateContent xmlns:mc="http://schemas.openxmlformats.org/markup-compatibility/2006">
-    <mc:Choice xmlns:p14="http://schemas.microsoft.com/office/powerpoint/2010/main" Requires="p14">
+  <mc:AlternateContent xmlns:mc="http://schemas.openxmlformats.org/markup-compatibility/2006" xmlns:p14="http://schemas.microsoft.com/office/powerpoint/2010/main">
+    <mc:Choice Requires="p14">
       <p:transition spd="slow" p14:dur="1600">
         <p14:prism isInverted="1"/>
       </p:transition>
     </mc:Choice>
-    <mc:Fallback>
+    <mc:Fallback xmlns="">
       <p:transition spd="slow">
         <p:fade/>
       </p:transition>
@@ -16109,10 +16028,9 @@
           <a:lstStyle/>
           <a:p>
             <a:r>
-              <a:rPr lang="bg-BG" sz="2600" dirty="0" smtClean="0"/>
+              <a:rPr lang="bg-BG" sz="2600" dirty="0"/>
               <a:t>ДОКУМЕНТИРАНЕ</a:t>
             </a:r>
-            <a:endParaRPr lang="bg-BG" sz="2600" dirty="0"/>
           </a:p>
         </p:txBody>
       </p:sp>
@@ -16137,13 +16055,13 @@
           <a:lstStyle/>
           <a:p>
             <a:r>
-              <a:rPr lang="bg-BG" dirty="0" smtClean="0"/>
+              <a:rPr lang="bg-BG" dirty="0"/>
               <a:t>ОБЩА ДОКУМЕНТАЦИЯ</a:t>
             </a:r>
           </a:p>
           <a:p>
             <a:r>
-              <a:rPr lang="bg-BG" dirty="0" smtClean="0"/>
+              <a:rPr lang="bg-BG" dirty="0"/>
               <a:t>РЪКОВОДСТВО ЗА ПОТРЕБИТЕЛЯ</a:t>
             </a:r>
           </a:p>
@@ -16165,13 +16083,13 @@
   <p:clrMapOvr>
     <a:masterClrMapping/>
   </p:clrMapOvr>
-  <mc:AlternateContent xmlns:mc="http://schemas.openxmlformats.org/markup-compatibility/2006">
-    <mc:Choice xmlns:p14="http://schemas.microsoft.com/office/powerpoint/2010/main" Requires="p14">
+  <mc:AlternateContent xmlns:mc="http://schemas.openxmlformats.org/markup-compatibility/2006" xmlns:p14="http://schemas.microsoft.com/office/powerpoint/2010/main">
+    <mc:Choice Requires="p14">
       <p:transition spd="slow" p14:dur="1600">
         <p14:prism isInverted="1"/>
       </p:transition>
     </mc:Choice>
-    <mc:Fallback>
+    <mc:Fallback xmlns="">
       <p:transition spd="slow">
         <p:fade/>
       </p:transition>
@@ -16459,10 +16377,9 @@
           <a:lstStyle/>
           <a:p>
             <a:r>
-              <a:rPr lang="bg-BG" dirty="0" smtClean="0"/>
+              <a:rPr lang="bg-BG" dirty="0"/>
               <a:t>Краен продукт</a:t>
             </a:r>
-            <a:endParaRPr lang="bg-BG" dirty="0"/>
           </a:p>
         </p:txBody>
       </p:sp>
@@ -16564,13 +16481,13 @@
   <p:clrMapOvr>
     <a:masterClrMapping/>
   </p:clrMapOvr>
-  <mc:AlternateContent xmlns:mc="http://schemas.openxmlformats.org/markup-compatibility/2006">
-    <mc:Choice xmlns:p14="http://schemas.microsoft.com/office/powerpoint/2010/main" Requires="p14">
+  <mc:AlternateContent xmlns:mc="http://schemas.openxmlformats.org/markup-compatibility/2006" xmlns:p14="http://schemas.microsoft.com/office/powerpoint/2010/main">
+    <mc:Choice Requires="p14">
       <p:transition spd="slow" p14:dur="1600">
         <p14:prism isInverted="1"/>
       </p:transition>
     </mc:Choice>
-    <mc:Fallback>
+    <mc:Fallback xmlns="">
       <p:transition spd="slow">
         <p:fade/>
       </p:transition>
@@ -16844,10 +16761,9 @@
           <a:lstStyle/>
           <a:p>
             <a:r>
-              <a:rPr lang="bg-BG" dirty="0" smtClean="0"/>
+              <a:rPr lang="bg-BG" dirty="0"/>
               <a:t>Възможности за бъдеща разработка</a:t>
             </a:r>
-            <a:endParaRPr lang="bg-BG" dirty="0"/>
           </a:p>
         </p:txBody>
       </p:sp>
@@ -16867,57 +16783,66 @@
           <a:lstStyle/>
           <a:p>
             <a:r>
-              <a:rPr lang="bg-BG" dirty="0" smtClean="0"/>
+              <a:rPr lang="bg-BG" dirty="0"/>
               <a:t>Разработване на </a:t>
             </a:r>
             <a:r>
-              <a:rPr lang="en-US" dirty="0" smtClean="0"/>
+              <a:rPr lang="en-US" dirty="0"/>
               <a:t>web </a:t>
             </a:r>
             <a:r>
-              <a:rPr lang="bg-BG" dirty="0" smtClean="0"/>
+              <a:rPr lang="bg-BG" dirty="0"/>
               <a:t>и мобилна версия</a:t>
             </a:r>
           </a:p>
           <a:p>
             <a:r>
-              <a:rPr lang="bg-BG" dirty="0" smtClean="0"/>
-              <a:t>Възможност за затваряне на </a:t>
-            </a:r>
-            <a:r>
-              <a:rPr lang="bg-BG" dirty="0" smtClean="0"/>
-              <a:t>акаунт </a:t>
-            </a:r>
-            <a:r>
-              <a:rPr lang="bg-BG" dirty="0" smtClean="0"/>
-              <a:t>от потребителска гледна точка</a:t>
+              <a:rPr lang="bg-BG" dirty="0"/>
+              <a:t>Възможност за затваряне на акаунт от потребителска гледна точка</a:t>
             </a:r>
           </a:p>
           <a:p>
             <a:r>
-              <a:rPr lang="bg-BG" dirty="0" smtClean="0"/>
+              <a:rPr lang="bg-BG" dirty="0"/>
               <a:t>Промяна на хранилището на данни от текущото място към </a:t>
             </a:r>
             <a:r>
-              <a:rPr lang="en-US" dirty="0" smtClean="0"/>
+              <a:rPr lang="en-US" dirty="0"/>
               <a:t>MySQL</a:t>
             </a:r>
             <a:r>
-              <a:rPr lang="bg-BG" dirty="0" smtClean="0"/>
+              <a:rPr lang="bg-BG" dirty="0"/>
               <a:t> или </a:t>
             </a:r>
             <a:r>
-              <a:rPr lang="en-US" dirty="0" smtClean="0"/>
+              <a:rPr lang="en-US" dirty="0"/>
               <a:t>oracle</a:t>
             </a:r>
-            <a:endParaRPr lang="bg-BG" dirty="0" smtClean="0"/>
+            <a:endParaRPr lang="bg-BG" dirty="0"/>
           </a:p>
           <a:p>
             <a:r>
-              <a:rPr lang="bg-BG" dirty="0" smtClean="0"/>
+              <a:rPr lang="bg-BG" dirty="0"/>
               <a:t>Възможност за гледане на самите филми през сайта</a:t>
             </a:r>
-            <a:endParaRPr lang="bg-BG" dirty="0"/>
+            <a:endParaRPr lang="en-US" dirty="0"/>
+          </a:p>
+          <a:p>
+            <a:r>
+              <a:rPr lang="en-US" dirty="0"/>
+              <a:t> </a:t>
+            </a:r>
+            <a:r>
+              <a:rPr lang="bg-BG" dirty="0"/>
+              <a:t>Търсене на филм по име</a:t>
+            </a:r>
+            <a:endParaRPr lang="en-US" dirty="0"/>
+          </a:p>
+          <a:p>
+            <a:r>
+              <a:rPr lang="bg-BG" dirty="0"/>
+              <a:t>И др.</a:t>
+            </a:r>
           </a:p>
         </p:txBody>
       </p:sp>
@@ -16931,13 +16856,13 @@
   <p:clrMapOvr>
     <a:masterClrMapping/>
   </p:clrMapOvr>
-  <mc:AlternateContent xmlns:mc="http://schemas.openxmlformats.org/markup-compatibility/2006">
-    <mc:Choice xmlns:p14="http://schemas.microsoft.com/office/powerpoint/2010/main" Requires="p14">
+  <mc:AlternateContent xmlns:mc="http://schemas.openxmlformats.org/markup-compatibility/2006" xmlns:p14="http://schemas.microsoft.com/office/powerpoint/2010/main">
+    <mc:Choice Requires="p14">
       <p:transition spd="slow" p14:dur="1600">
         <p14:prism isInverted="1"/>
       </p:transition>
     </mc:Choice>
-    <mc:Fallback>
+    <mc:Fallback xmlns="">
       <p:transition spd="slow">
         <p:fade/>
       </p:transition>
@@ -17286,6 +17211,128 @@
                       </p:childTnLst>
                     </p:cTn>
                   </p:par>
+                  <p:par>
+                    <p:cTn id="29" fill="hold">
+                      <p:stCondLst>
+                        <p:cond delay="indefinite"/>
+                      </p:stCondLst>
+                      <p:childTnLst>
+                        <p:par>
+                          <p:cTn id="30" fill="hold">
+                            <p:stCondLst>
+                              <p:cond delay="0"/>
+                            </p:stCondLst>
+                            <p:childTnLst>
+                              <p:par>
+                                <p:cTn id="31" presetID="16" presetClass="entr" presetSubtype="21" fill="hold" nodeType="clickEffect">
+                                  <p:stCondLst>
+                                    <p:cond delay="0"/>
+                                  </p:stCondLst>
+                                  <p:childTnLst>
+                                    <p:set>
+                                      <p:cBhvr>
+                                        <p:cTn id="32" dur="1" fill="hold">
+                                          <p:stCondLst>
+                                            <p:cond delay="0"/>
+                                          </p:stCondLst>
+                                        </p:cTn>
+                                        <p:tgtEl>
+                                          <p:spTgt spid="3">
+                                            <p:txEl>
+                                              <p:pRg st="4" end="4"/>
+                                            </p:txEl>
+                                          </p:spTgt>
+                                        </p:tgtEl>
+                                        <p:attrNameLst>
+                                          <p:attrName>style.visibility</p:attrName>
+                                        </p:attrNameLst>
+                                      </p:cBhvr>
+                                      <p:to>
+                                        <p:strVal val="visible"/>
+                                      </p:to>
+                                    </p:set>
+                                    <p:animEffect transition="in" filter="barn(inVertical)">
+                                      <p:cBhvr>
+                                        <p:cTn id="33" dur="500"/>
+                                        <p:tgtEl>
+                                          <p:spTgt spid="3">
+                                            <p:txEl>
+                                              <p:pRg st="4" end="4"/>
+                                            </p:txEl>
+                                          </p:spTgt>
+                                        </p:tgtEl>
+                                      </p:cBhvr>
+                                    </p:animEffect>
+                                  </p:childTnLst>
+                                </p:cTn>
+                              </p:par>
+                            </p:childTnLst>
+                          </p:cTn>
+                        </p:par>
+                      </p:childTnLst>
+                    </p:cTn>
+                  </p:par>
+                  <p:par>
+                    <p:cTn id="34" fill="hold">
+                      <p:stCondLst>
+                        <p:cond delay="indefinite"/>
+                      </p:stCondLst>
+                      <p:childTnLst>
+                        <p:par>
+                          <p:cTn id="35" fill="hold">
+                            <p:stCondLst>
+                              <p:cond delay="0"/>
+                            </p:stCondLst>
+                            <p:childTnLst>
+                              <p:par>
+                                <p:cTn id="36" presetID="16" presetClass="entr" presetSubtype="21" fill="hold" nodeType="clickEffect">
+                                  <p:stCondLst>
+                                    <p:cond delay="0"/>
+                                  </p:stCondLst>
+                                  <p:childTnLst>
+                                    <p:set>
+                                      <p:cBhvr>
+                                        <p:cTn id="37" dur="1" fill="hold">
+                                          <p:stCondLst>
+                                            <p:cond delay="0"/>
+                                          </p:stCondLst>
+                                        </p:cTn>
+                                        <p:tgtEl>
+                                          <p:spTgt spid="3">
+                                            <p:txEl>
+                                              <p:pRg st="5" end="5"/>
+                                            </p:txEl>
+                                          </p:spTgt>
+                                        </p:tgtEl>
+                                        <p:attrNameLst>
+                                          <p:attrName>style.visibility</p:attrName>
+                                        </p:attrNameLst>
+                                      </p:cBhvr>
+                                      <p:to>
+                                        <p:strVal val="visible"/>
+                                      </p:to>
+                                    </p:set>
+                                    <p:animEffect transition="in" filter="barn(inVertical)">
+                                      <p:cBhvr>
+                                        <p:cTn id="38" dur="500"/>
+                                        <p:tgtEl>
+                                          <p:spTgt spid="3">
+                                            <p:txEl>
+                                              <p:pRg st="5" end="5"/>
+                                            </p:txEl>
+                                          </p:spTgt>
+                                        </p:tgtEl>
+                                      </p:cBhvr>
+                                    </p:animEffect>
+                                  </p:childTnLst>
+                                </p:cTn>
+                              </p:par>
+                            </p:childTnLst>
+                          </p:cTn>
+                        </p:par>
+                      </p:childTnLst>
+                    </p:cTn>
+                  </p:par>
                 </p:childTnLst>
               </p:cTn>
               <p:prevCondLst>
@@ -17350,10 +17397,9 @@
           <a:p>
             <a:pPr algn="ctr"/>
             <a:r>
-              <a:rPr lang="bg-BG" dirty="0" smtClean="0"/>
+              <a:rPr lang="bg-BG" dirty="0"/>
               <a:t>Благодарим за вниманието!</a:t>
             </a:r>
-            <a:endParaRPr lang="bg-BG" dirty="0"/>
           </a:p>
         </p:txBody>
       </p:sp>
@@ -17632,10 +17678,9 @@
           <a:lstStyle/>
           <a:p>
             <a:r>
-              <a:rPr lang="bg-BG" dirty="0" smtClean="0"/>
+              <a:rPr lang="bg-BG" dirty="0"/>
               <a:t>Идея на проекта</a:t>
             </a:r>
-            <a:endParaRPr lang="bg-BG" dirty="0"/>
           </a:p>
         </p:txBody>
       </p:sp>
@@ -17655,38 +17700,33 @@
           <a:lstStyle/>
           <a:p>
             <a:r>
-              <a:rPr lang="bg-BG" dirty="0" smtClean="0"/>
+              <a:rPr lang="bg-BG" dirty="0"/>
               <a:t>Приложение за любителите на филми.</a:t>
             </a:r>
             <a:br>
-              <a:rPr lang="bg-BG" dirty="0" smtClean="0"/>
+              <a:rPr lang="bg-BG" dirty="0"/>
+            </a:br>
+            <a:br>
+              <a:rPr lang="bg-BG" dirty="0"/>
             </a:br>
             <a:r>
               <a:rPr lang="bg-BG" dirty="0"/>
-              <a:t/>
+              <a:t>-Лесно за навигация</a:t>
             </a:r>
             <a:br>
               <a:rPr lang="bg-BG" dirty="0"/>
             </a:br>
             <a:r>
-              <a:rPr lang="bg-BG" dirty="0" smtClean="0"/>
-              <a:t>-Лесно за навигация</a:t>
-            </a:r>
-            <a:br>
-              <a:rPr lang="bg-BG" dirty="0" smtClean="0"/>
-            </a:br>
-            <a:r>
-              <a:rPr lang="bg-BG" dirty="0" smtClean="0"/>
+              <a:rPr lang="bg-BG" dirty="0"/>
               <a:t>-Различни изгледи</a:t>
             </a:r>
             <a:br>
-              <a:rPr lang="bg-BG" dirty="0" smtClean="0"/>
+              <a:rPr lang="bg-BG" dirty="0"/>
             </a:br>
             <a:r>
-              <a:rPr lang="bg-BG" dirty="0" smtClean="0"/>
+              <a:rPr lang="bg-BG" dirty="0"/>
               <a:t>-Достъпна информация</a:t>
             </a:r>
-            <a:endParaRPr lang="bg-BG" dirty="0"/>
           </a:p>
         </p:txBody>
       </p:sp>
@@ -17700,13 +17740,13 @@
   <p:clrMapOvr>
     <a:masterClrMapping/>
   </p:clrMapOvr>
-  <mc:AlternateContent xmlns:mc="http://schemas.openxmlformats.org/markup-compatibility/2006">
-    <mc:Choice xmlns:p14="http://schemas.microsoft.com/office/powerpoint/2010/main" Requires="p14">
+  <mc:AlternateContent xmlns:mc="http://schemas.openxmlformats.org/markup-compatibility/2006" xmlns:p14="http://schemas.microsoft.com/office/powerpoint/2010/main">
+    <mc:Choice Requires="p14">
       <p:transition spd="slow" p14:dur="1600">
         <p14:prism isInverted="1"/>
       </p:transition>
     </mc:Choice>
-    <mc:Fallback>
+    <mc:Fallback xmlns="">
       <p:transition spd="slow">
         <p:fade/>
       </p:transition>
@@ -17934,10 +17974,9 @@
           <a:lstStyle/>
           <a:p>
             <a:r>
-              <a:rPr lang="bg-BG" dirty="0" smtClean="0"/>
+              <a:rPr lang="bg-BG" dirty="0"/>
               <a:t>Екип и роли</a:t>
             </a:r>
-            <a:endParaRPr lang="bg-BG" dirty="0"/>
           </a:p>
         </p:txBody>
       </p:sp>
@@ -17957,10 +17996,9 @@
           <a:lstStyle/>
           <a:p>
             <a:r>
-              <a:rPr lang="bg-BG" dirty="0" smtClean="0"/>
+              <a:rPr lang="bg-BG" dirty="0"/>
               <a:t>Йоанна ганчева</a:t>
             </a:r>
-            <a:endParaRPr lang="bg-BG" dirty="0"/>
           </a:p>
         </p:txBody>
       </p:sp>
@@ -17985,16 +18023,15 @@
           <a:lstStyle/>
           <a:p>
             <a:r>
-              <a:rPr lang="en-US" dirty="0" smtClean="0"/>
+              <a:rPr lang="en-US" dirty="0"/>
               <a:t>Project leader</a:t>
             </a:r>
           </a:p>
           <a:p>
             <a:r>
-              <a:rPr lang="bg-BG" dirty="0" smtClean="0"/>
+              <a:rPr lang="bg-BG" dirty="0"/>
               <a:t>тестер</a:t>
             </a:r>
-            <a:endParaRPr lang="bg-BG" dirty="0"/>
           </a:p>
         </p:txBody>
       </p:sp>
@@ -18014,10 +18051,9 @@
           <a:lstStyle/>
           <a:p>
             <a:r>
-              <a:rPr lang="bg-BG" dirty="0" smtClean="0"/>
+              <a:rPr lang="bg-BG" dirty="0"/>
               <a:t>Виктория димитрова</a:t>
             </a:r>
-            <a:endParaRPr lang="bg-BG" dirty="0"/>
           </a:p>
         </p:txBody>
       </p:sp>
@@ -18037,16 +18073,15 @@
           <a:lstStyle/>
           <a:p>
             <a:r>
-              <a:rPr lang="bg-BG" dirty="0" smtClean="0"/>
+              <a:rPr lang="bg-BG" dirty="0"/>
               <a:t>Дизайнер</a:t>
             </a:r>
           </a:p>
           <a:p>
             <a:r>
-              <a:rPr lang="bg-BG" dirty="0" smtClean="0"/>
-              <a:t>проектант</a:t>
+              <a:rPr lang="bg-BG" dirty="0"/>
+              <a:t>архитект</a:t>
             </a:r>
-            <a:endParaRPr lang="bg-BG" dirty="0"/>
           </a:p>
         </p:txBody>
       </p:sp>
@@ -18066,10 +18101,9 @@
           <a:lstStyle/>
           <a:p>
             <a:r>
-              <a:rPr lang="bg-BG" dirty="0" smtClean="0"/>
+              <a:rPr lang="bg-BG" dirty="0"/>
               <a:t>Радослав колев</a:t>
             </a:r>
-            <a:endParaRPr lang="bg-BG" dirty="0"/>
           </a:p>
         </p:txBody>
       </p:sp>
@@ -18089,7 +18123,7 @@
           <a:lstStyle/>
           <a:p>
             <a:r>
-              <a:rPr lang="bg-BG" dirty="0" smtClean="0"/>
+              <a:rPr lang="bg-BG" dirty="0"/>
               <a:t>Софтуерен разработчик</a:t>
             </a:r>
           </a:p>
@@ -18197,13 +18231,13 @@
   <p:clrMapOvr>
     <a:masterClrMapping/>
   </p:clrMapOvr>
-  <mc:AlternateContent xmlns:mc="http://schemas.openxmlformats.org/markup-compatibility/2006">
-    <mc:Choice xmlns:p14="http://schemas.microsoft.com/office/powerpoint/2010/main" Requires="p14">
+  <mc:AlternateContent xmlns:mc="http://schemas.openxmlformats.org/markup-compatibility/2006" xmlns:p14="http://schemas.microsoft.com/office/powerpoint/2010/main">
+    <mc:Choice Requires="p14">
       <p:transition spd="slow" p14:dur="1600">
         <p14:prism isInverted="1"/>
       </p:transition>
     </mc:Choice>
-    <mc:Fallback>
+    <mc:Fallback xmlns="">
       <p:transition spd="slow">
         <p:fade/>
       </p:transition>
@@ -18919,10 +18953,9 @@
           <a:lstStyle/>
           <a:p>
             <a:r>
-              <a:rPr lang="bg-BG" dirty="0" smtClean="0"/>
+              <a:rPr lang="bg-BG" dirty="0"/>
               <a:t>Бюджет на проекта</a:t>
             </a:r>
-            <a:endParaRPr lang="bg-BG" dirty="0"/>
           </a:p>
         </p:txBody>
       </p:sp>
@@ -19100,13 +19133,13 @@
   <p:clrMapOvr>
     <a:masterClrMapping/>
   </p:clrMapOvr>
-  <mc:AlternateContent xmlns:mc="http://schemas.openxmlformats.org/markup-compatibility/2006">
-    <mc:Choice xmlns:p14="http://schemas.microsoft.com/office/powerpoint/2010/main" Requires="p14">
+  <mc:AlternateContent xmlns:mc="http://schemas.openxmlformats.org/markup-compatibility/2006" xmlns:p14="http://schemas.microsoft.com/office/powerpoint/2010/main">
+    <mc:Choice Requires="p14">
       <p:transition spd="slow" p14:dur="1600">
         <p14:prism isInverted="1"/>
       </p:transition>
     </mc:Choice>
-    <mc:Fallback>
+    <mc:Fallback xmlns="">
       <p:transition spd="slow">
         <p:fade/>
       </p:transition>
@@ -19433,10 +19466,9 @@
           <a:lstStyle/>
           <a:p>
             <a:r>
-              <a:rPr lang="bg-BG" dirty="0" smtClean="0"/>
+              <a:rPr lang="bg-BG" dirty="0"/>
               <a:t>Изработка на софтуерния продукт</a:t>
             </a:r>
-            <a:endParaRPr lang="bg-BG" dirty="0"/>
           </a:p>
         </p:txBody>
       </p:sp>
@@ -19461,42 +19493,42 @@
           <a:lstStyle/>
           <a:p>
             <a:r>
-              <a:rPr lang="bg-BG" dirty="0" smtClean="0"/>
+              <a:rPr lang="bg-BG" dirty="0"/>
               <a:t>Използван език за програмиране: </a:t>
             </a:r>
             <a:r>
-              <a:rPr lang="en-US" dirty="0" smtClean="0"/>
+              <a:rPr lang="en-US" dirty="0"/>
               <a:t>C# </a:t>
             </a:r>
             <a:endParaRPr lang="bg-BG" dirty="0"/>
           </a:p>
           <a:p>
             <a:r>
-              <a:rPr lang="bg-BG" dirty="0" smtClean="0"/>
+              <a:rPr lang="bg-BG" dirty="0"/>
               <a:t>Среда за разработка: </a:t>
             </a:r>
             <a:r>
-              <a:rPr lang="en-US" dirty="0" smtClean="0"/>
+              <a:rPr lang="en-US" dirty="0"/>
               <a:t>(IDE) Microsoft Visual Studio</a:t>
             </a:r>
           </a:p>
           <a:p>
             <a:r>
-              <a:rPr lang="bg-BG" dirty="0" smtClean="0"/>
+              <a:rPr lang="bg-BG" dirty="0"/>
               <a:t>Интеграция на проекта: чрез </a:t>
             </a:r>
             <a:r>
-              <a:rPr lang="en-US" dirty="0" smtClean="0"/>
+              <a:rPr lang="en-US" dirty="0"/>
               <a:t>GitHub</a:t>
             </a:r>
           </a:p>
           <a:p>
             <a:r>
-              <a:rPr lang="bg-BG" dirty="0" smtClean="0"/>
+              <a:rPr lang="bg-BG" dirty="0"/>
               <a:t>Изработка на дизайн: </a:t>
             </a:r>
             <a:r>
-              <a:rPr lang="en-US" dirty="0" smtClean="0"/>
+              <a:rPr lang="en-US" dirty="0"/>
               <a:t>PHOTOSHOP </a:t>
             </a:r>
             <a:endParaRPr lang="bg-BG" dirty="0"/>
@@ -19633,13 +19665,13 @@
   <p:clrMapOvr>
     <a:masterClrMapping/>
   </p:clrMapOvr>
-  <mc:AlternateContent xmlns:mc="http://schemas.openxmlformats.org/markup-compatibility/2006">
-    <mc:Choice xmlns:p14="http://schemas.microsoft.com/office/powerpoint/2010/main" Requires="p14">
+  <mc:AlternateContent xmlns:mc="http://schemas.openxmlformats.org/markup-compatibility/2006" xmlns:p14="http://schemas.microsoft.com/office/powerpoint/2010/main">
+    <mc:Choice Requires="p14">
       <p:transition spd="slow" p14:dur="1600">
         <p14:prism isInverted="1"/>
       </p:transition>
     </mc:Choice>
-    <mc:Fallback>
+    <mc:Fallback xmlns="">
       <p:transition spd="slow">
         <p:fade/>
       </p:transition>
@@ -20263,10 +20295,9 @@
           <a:lstStyle/>
           <a:p>
             <a:r>
-              <a:rPr lang="bg-BG" dirty="0" smtClean="0"/>
+              <a:rPr lang="bg-BG" dirty="0"/>
               <a:t>Избор на система за управление на проекти</a:t>
             </a:r>
-            <a:endParaRPr lang="bg-BG" dirty="0"/>
           </a:p>
         </p:txBody>
       </p:sp>
@@ -20294,20 +20325,19 @@
               <a:buNone/>
             </a:pPr>
             <a:r>
-              <a:rPr lang="en-US" dirty="0" err="1" smtClean="0"/>
+              <a:rPr lang="en-US" dirty="0" err="1"/>
               <a:t>Bitrix</a:t>
             </a:r>
             <a:r>
-              <a:rPr lang="en-US" dirty="0" smtClean="0"/>
+              <a:rPr lang="en-US" dirty="0"/>
               <a:t> 24</a:t>
             </a:r>
           </a:p>
           <a:p>
             <a:r>
-              <a:rPr lang="bg-BG" dirty="0" smtClean="0"/>
+              <a:rPr lang="bg-BG" dirty="0"/>
               <a:t>Причини за избора </a:t>
             </a:r>
-            <a:endParaRPr lang="bg-BG" dirty="0"/>
           </a:p>
         </p:txBody>
       </p:sp>
@@ -20379,13 +20409,13 @@
   <p:clrMapOvr>
     <a:masterClrMapping/>
   </p:clrMapOvr>
-  <mc:AlternateContent xmlns:mc="http://schemas.openxmlformats.org/markup-compatibility/2006">
-    <mc:Choice xmlns:p14="http://schemas.microsoft.com/office/powerpoint/2010/main" Requires="p14">
+  <mc:AlternateContent xmlns:mc="http://schemas.openxmlformats.org/markup-compatibility/2006" xmlns:p14="http://schemas.microsoft.com/office/powerpoint/2010/main">
+    <mc:Choice Requires="p14">
       <p:transition spd="slow" p14:dur="1600">
         <p14:prism isInverted="1"/>
       </p:transition>
     </mc:Choice>
-    <mc:Fallback>
+    <mc:Fallback xmlns="">
       <p:transition spd="slow">
         <p:fade/>
       </p:transition>
@@ -20764,10 +20794,9 @@
           <a:lstStyle/>
           <a:p>
             <a:r>
-              <a:rPr lang="bg-BG" dirty="0" smtClean="0"/>
+              <a:rPr lang="bg-BG" dirty="0"/>
               <a:t>Избор на система за контрол на версиите</a:t>
             </a:r>
-            <a:endParaRPr lang="bg-BG" dirty="0"/>
           </a:p>
         </p:txBody>
       </p:sp>
@@ -20794,18 +20823,18 @@
           <a:lstStyle/>
           <a:p>
             <a:r>
-              <a:rPr lang="bg-BG" dirty="0" smtClean="0"/>
+              <a:rPr lang="bg-BG" dirty="0"/>
               <a:t>Избор: </a:t>
             </a:r>
             <a:r>
-              <a:rPr lang="en-US" dirty="0" smtClean="0"/>
+              <a:rPr lang="en-US" dirty="0"/>
               <a:t>GIT</a:t>
             </a:r>
-            <a:endParaRPr lang="bg-BG" dirty="0" smtClean="0"/>
+            <a:endParaRPr lang="bg-BG" dirty="0"/>
           </a:p>
           <a:p>
             <a:r>
-              <a:rPr lang="bg-BG" dirty="0" smtClean="0"/>
+              <a:rPr lang="bg-BG" dirty="0"/>
               <a:t>Причина</a:t>
             </a:r>
           </a:p>
@@ -20815,7 +20844,7 @@
               <a:buChar char="-"/>
             </a:pPr>
             <a:r>
-              <a:rPr lang="bg-BG" dirty="0" smtClean="0"/>
+              <a:rPr lang="bg-BG" dirty="0"/>
               <a:t>По-голяма защита</a:t>
             </a:r>
           </a:p>
@@ -20825,28 +20854,28 @@
               <a:buChar char="-"/>
             </a:pPr>
             <a:r>
-              <a:rPr lang="bg-BG" dirty="0" smtClean="0"/>
+              <a:rPr lang="bg-BG" dirty="0"/>
               <a:t>Повече функционалности</a:t>
             </a:r>
             <a:br>
-              <a:rPr lang="bg-BG" dirty="0" smtClean="0"/>
+              <a:rPr lang="bg-BG" dirty="0"/>
             </a:br>
             <a:r>
-              <a:rPr lang="bg-BG" dirty="0" smtClean="0"/>
+              <a:rPr lang="bg-BG" dirty="0"/>
               <a:t>*Позолява локално копие на проекта</a:t>
             </a:r>
             <a:br>
-              <a:rPr lang="bg-BG" dirty="0" smtClean="0"/>
+              <a:rPr lang="bg-BG" dirty="0"/>
             </a:br>
             <a:r>
-              <a:rPr lang="bg-BG" dirty="0" smtClean="0"/>
+              <a:rPr lang="bg-BG" dirty="0"/>
               <a:t>*Голям обхват на изпълнение и добра скорост при ипълнение на командите</a:t>
             </a:r>
             <a:br>
-              <a:rPr lang="bg-BG" dirty="0" smtClean="0"/>
+              <a:rPr lang="bg-BG" dirty="0"/>
             </a:br>
             <a:r>
-              <a:rPr lang="bg-BG" dirty="0" smtClean="0"/>
+              <a:rPr lang="bg-BG" dirty="0"/>
               <a:t>*Лесно презаписване и актуализиране на файлове</a:t>
             </a:r>
           </a:p>
@@ -20859,11 +20888,7 @@
           <a:p>
             <a:r>
               <a:rPr lang="bg-BG" dirty="0"/>
-              <a:t>Съпоставка с други системи за контрол на </a:t>
-            </a:r>
-            <a:r>
-              <a:rPr lang="bg-BG" dirty="0" smtClean="0"/>
-              <a:t>версиите</a:t>
+              <a:t>Съпоставка с други системи за контрол на версиите</a:t>
             </a:r>
             <a:endParaRPr lang="en-US" dirty="0"/>
           </a:p>
@@ -20909,13 +20934,13 @@
   <p:clrMapOvr>
     <a:masterClrMapping/>
   </p:clrMapOvr>
-  <mc:AlternateContent xmlns:mc="http://schemas.openxmlformats.org/markup-compatibility/2006">
-    <mc:Choice xmlns:p14="http://schemas.microsoft.com/office/powerpoint/2010/main" Requires="p14">
+  <mc:AlternateContent xmlns:mc="http://schemas.openxmlformats.org/markup-compatibility/2006" xmlns:p14="http://schemas.microsoft.com/office/powerpoint/2010/main">
+    <mc:Choice Requires="p14">
       <p:transition spd="slow" p14:dur="1600">
         <p14:prism isInverted="1"/>
       </p:transition>
     </mc:Choice>
-    <mc:Fallback>
+    <mc:Fallback xmlns="">
       <p:transition spd="slow">
         <p:fade/>
       </p:transition>
@@ -21516,10 +21541,9 @@
           <a:lstStyle/>
           <a:p>
             <a:r>
-              <a:rPr lang="bg-BG" dirty="0" smtClean="0"/>
+              <a:rPr lang="bg-BG" dirty="0"/>
               <a:t>Методология изполвана за разработката на проекта</a:t>
             </a:r>
-            <a:endParaRPr lang="bg-BG" dirty="0"/>
           </a:p>
         </p:txBody>
       </p:sp>
@@ -21544,7 +21568,7 @@
           <a:lstStyle/>
           <a:p>
             <a:r>
-              <a:rPr lang="en-US" dirty="0" smtClean="0"/>
+              <a:rPr lang="en-US" dirty="0"/>
               <a:t>Lean</a:t>
             </a:r>
           </a:p>
@@ -21609,7 +21633,7 @@
               <a:buChar char="•"/>
             </a:pPr>
             <a:r>
-              <a:rPr lang="en-US" dirty="0" smtClean="0"/>
+              <a:rPr lang="en-US" dirty="0"/>
               <a:t>Scrum</a:t>
             </a:r>
             <a:endParaRPr lang="bg-BG" dirty="0"/>
@@ -21673,7 +21697,7 @@
               <a:buChar char="•"/>
             </a:pPr>
             <a:r>
-              <a:rPr lang="en-US" dirty="0" smtClean="0"/>
+              <a:rPr lang="en-US" dirty="0"/>
               <a:t>Kanban</a:t>
             </a:r>
             <a:endParaRPr lang="bg-BG" dirty="0"/>
@@ -21690,13 +21714,13 @@
   <p:clrMapOvr>
     <a:masterClrMapping/>
   </p:clrMapOvr>
-  <mc:AlternateContent xmlns:mc="http://schemas.openxmlformats.org/markup-compatibility/2006">
-    <mc:Choice xmlns:p14="http://schemas.microsoft.com/office/powerpoint/2010/main" Requires="p14">
+  <mc:AlternateContent xmlns:mc="http://schemas.openxmlformats.org/markup-compatibility/2006" xmlns:p14="http://schemas.microsoft.com/office/powerpoint/2010/main">
+    <mc:Choice Requires="p14">
       <p:transition spd="slow" p14:dur="1600">
         <p14:prism isInverted="1"/>
       </p:transition>
     </mc:Choice>
-    <mc:Fallback>
+    <mc:Fallback xmlns="">
       <p:transition spd="slow">
         <p:fade/>
       </p:transition>
@@ -22137,10 +22161,9 @@
           <a:lstStyle/>
           <a:p>
             <a:r>
-              <a:rPr lang="bg-BG" dirty="0" smtClean="0"/>
+              <a:rPr lang="bg-BG" dirty="0"/>
               <a:t>Разпределение на задачите</a:t>
             </a:r>
-            <a:endParaRPr lang="bg-BG" dirty="0"/>
           </a:p>
         </p:txBody>
       </p:sp>
@@ -22165,22 +22188,33 @@
           <a:lstStyle/>
           <a:p>
             <a:r>
-              <a:rPr lang="bg-BG" dirty="0" smtClean="0"/>
+              <a:rPr lang="bg-BG" dirty="0"/>
               <a:t>Планиране на работния процес по проекта</a:t>
             </a:r>
           </a:p>
           <a:p>
             <a:r>
-              <a:rPr lang="bg-BG" dirty="0" smtClean="0"/>
+              <a:rPr lang="bg-BG" dirty="0"/>
               <a:t>Организиране на задачите по знания и възможностите на членовете на екипа</a:t>
             </a:r>
           </a:p>
           <a:p>
             <a:r>
-              <a:rPr lang="bg-BG" dirty="0" smtClean="0"/>
-              <a:t>Организиране последователността на етапите на разработк по проекта</a:t>
+              <a:rPr lang="bg-BG" dirty="0"/>
+              <a:t>Организиране последователността на етапите на </a:t>
             </a:r>
-            <a:endParaRPr lang="bg-BG" dirty="0"/>
+            <a:r>
+              <a:rPr lang="bg-BG" dirty="0" err="1"/>
+              <a:t>разработк</a:t>
+            </a:r>
+            <a:r>
+              <a:rPr lang="en-US" dirty="0"/>
+              <a:t>a</a:t>
+            </a:r>
+            <a:r>
+              <a:rPr lang="bg-BG" dirty="0"/>
+              <a:t> по проекта</a:t>
+            </a:r>
           </a:p>
         </p:txBody>
       </p:sp>
@@ -22248,13 +22282,13 @@
   <p:clrMapOvr>
     <a:masterClrMapping/>
   </p:clrMapOvr>
-  <mc:AlternateContent xmlns:mc="http://schemas.openxmlformats.org/markup-compatibility/2006">
-    <mc:Choice xmlns:p14="http://schemas.microsoft.com/office/powerpoint/2010/main" Requires="p14">
+  <mc:AlternateContent xmlns:mc="http://schemas.openxmlformats.org/markup-compatibility/2006" xmlns:p14="http://schemas.microsoft.com/office/powerpoint/2010/main">
+    <mc:Choice Requires="p14">
       <p:transition spd="slow" p14:dur="1600">
         <p14:prism isInverted="1"/>
       </p:transition>
     </mc:Choice>
-    <mc:Fallback>
+    <mc:Fallback xmlns="">
       <p:transition spd="slow">
         <p:fade/>
       </p:transition>
